--- a/Presentations/PTS2019_DataVizualization_II.pptx
+++ b/Presentations/PTS2019_DataVizualization_II.pptx
@@ -6,14 +6,19 @@
     <p:sldMasterId id="2147483660" r:id="rId2"/>
   </p:sldMasterIdLst>
   <p:notesMasterIdLst>
-    <p:notesMasterId r:id="rId8"/>
+    <p:notesMasterId r:id="rId13"/>
   </p:notesMasterIdLst>
   <p:sldIdLst>
     <p:sldId id="256" r:id="rId3"/>
     <p:sldId id="414" r:id="rId4"/>
     <p:sldId id="418" r:id="rId5"/>
     <p:sldId id="552" r:id="rId6"/>
-    <p:sldId id="553" r:id="rId7"/>
+    <p:sldId id="557" r:id="rId7"/>
+    <p:sldId id="553" r:id="rId8"/>
+    <p:sldId id="558" r:id="rId9"/>
+    <p:sldId id="554" r:id="rId10"/>
+    <p:sldId id="555" r:id="rId11"/>
+    <p:sldId id="556" r:id="rId12"/>
   </p:sldIdLst>
   <p:sldSz cx="9144000" cy="6858000" type="screen4x3"/>
   <p:notesSz cx="6858000" cy="9144000"/>
@@ -159,7 +164,16 @@
         </p14:section>
         <p14:section name="SciPy" id="{A1C70130-F696-2440-8DE7-A1B696398E00}">
           <p14:sldIdLst>
+            <p14:sldId id="557"/>
             <p14:sldId id="553"/>
+            <p14:sldId id="558"/>
+          </p14:sldIdLst>
+        </p14:section>
+        <p14:section name="Image Display" id="{2FEAAF92-B216-CA44-BE3B-D730731D6376}">
+          <p14:sldIdLst>
+            <p14:sldId id="554"/>
+            <p14:sldId id="555"/>
+            <p14:sldId id="556"/>
           </p14:sldIdLst>
         </p14:section>
       </p14:sectionLst>
@@ -284,7 +298,7 @@
               <a:pPr>
                 <a:defRPr/>
               </a:pPr>
-              <a:t>06/06/2019</a:t>
+              <a:t>12/06/2019</a:t>
             </a:fld>
             <a:endParaRPr lang="pt-BR"/>
           </a:p>
@@ -841,7 +855,177 @@
     </p:spTree>
     <p:extLst>
       <p:ext uri="{BB962C8B-B14F-4D97-AF65-F5344CB8AC3E}">
+        <p14:creationId xmlns:p14="http://schemas.microsoft.com/office/powerpoint/2010/main" val="3283257366"/>
+      </p:ext>
+    </p:extLst>
+  </p:cSld>
+  <p:clrMapOvr>
+    <a:masterClrMapping/>
+  </p:clrMapOvr>
+</p:notes>
+</file>
+
+<file path=ppt/notesSlides/notesSlide4.xml><?xml version="1.0" encoding="utf-8"?>
+<p:notes xmlns:a="http://schemas.openxmlformats.org/drawingml/2006/main" xmlns:r="http://schemas.openxmlformats.org/officeDocument/2006/relationships" xmlns:p="http://schemas.openxmlformats.org/presentationml/2006/main">
+  <p:cSld>
+    <p:spTree>
+      <p:nvGrpSpPr>
+        <p:cNvPr id="1" name=""/>
+        <p:cNvGrpSpPr/>
+        <p:nvPr/>
+      </p:nvGrpSpPr>
+      <p:grpSpPr>
+        <a:xfrm>
+          <a:off x="0" y="0"/>
+          <a:ext cx="0" cy="0"/>
+          <a:chOff x="0" y="0"/>
+          <a:chExt cx="0" cy="0"/>
+        </a:xfrm>
+      </p:grpSpPr>
+      <p:sp>
+        <p:nvSpPr>
+          <p:cNvPr id="2" name="Slide Image Placeholder 1"/>
+          <p:cNvSpPr>
+            <a:spLocks noGrp="1" noRot="1" noChangeAspect="1"/>
+          </p:cNvSpPr>
+          <p:nvPr>
+            <p:ph type="sldImg"/>
+          </p:nvPr>
+        </p:nvSpPr>
+        <p:spPr/>
+      </p:sp>
+      <p:sp>
+        <p:nvSpPr>
+          <p:cNvPr id="3" name="Notes Placeholder 2"/>
+          <p:cNvSpPr>
+            <a:spLocks noGrp="1"/>
+          </p:cNvSpPr>
+          <p:nvPr>
+            <p:ph type="body" idx="1"/>
+          </p:nvPr>
+        </p:nvSpPr>
+        <p:spPr/>
+        <p:txBody>
+          <a:bodyPr/>
+          <a:lstStyle/>
+          <a:p>
+            <a:endParaRPr lang="en-US" dirty="0"/>
+          </a:p>
+        </p:txBody>
+      </p:sp>
+      <p:sp>
+        <p:nvSpPr>
+          <p:cNvPr id="4" name="Slide Number Placeholder 3"/>
+          <p:cNvSpPr>
+            <a:spLocks noGrp="1"/>
+          </p:cNvSpPr>
+          <p:nvPr>
+            <p:ph type="sldNum" sz="quarter" idx="10"/>
+          </p:nvPr>
+        </p:nvSpPr>
+        <p:spPr/>
+        <p:txBody>
+          <a:bodyPr/>
+          <a:lstStyle/>
+          <a:p>
+            <a:fld id="{8583362D-8292-0F40-9B1D-5B620D4552E6}" type="slidenum">
+              <a:rPr lang="pt-BR" altLang="x-none" smtClean="0"/>
+              <a:pPr/>
+              <a:t>6</a:t>
+            </a:fld>
+            <a:endParaRPr lang="pt-BR" altLang="x-none"/>
+          </a:p>
+        </p:txBody>
+      </p:sp>
+    </p:spTree>
+    <p:extLst>
+      <p:ext uri="{BB962C8B-B14F-4D97-AF65-F5344CB8AC3E}">
         <p14:creationId xmlns:p14="http://schemas.microsoft.com/office/powerpoint/2010/main" val="3389500601"/>
+      </p:ext>
+    </p:extLst>
+  </p:cSld>
+  <p:clrMapOvr>
+    <a:masterClrMapping/>
+  </p:clrMapOvr>
+</p:notes>
+</file>
+
+<file path=ppt/notesSlides/notesSlide5.xml><?xml version="1.0" encoding="utf-8"?>
+<p:notes xmlns:a="http://schemas.openxmlformats.org/drawingml/2006/main" xmlns:r="http://schemas.openxmlformats.org/officeDocument/2006/relationships" xmlns:p="http://schemas.openxmlformats.org/presentationml/2006/main">
+  <p:cSld>
+    <p:spTree>
+      <p:nvGrpSpPr>
+        <p:cNvPr id="1" name=""/>
+        <p:cNvGrpSpPr/>
+        <p:nvPr/>
+      </p:nvGrpSpPr>
+      <p:grpSpPr>
+        <a:xfrm>
+          <a:off x="0" y="0"/>
+          <a:ext cx="0" cy="0"/>
+          <a:chOff x="0" y="0"/>
+          <a:chExt cx="0" cy="0"/>
+        </a:xfrm>
+      </p:grpSpPr>
+      <p:sp>
+        <p:nvSpPr>
+          <p:cNvPr id="2" name="Slide Image Placeholder 1"/>
+          <p:cNvSpPr>
+            <a:spLocks noGrp="1" noRot="1" noChangeAspect="1"/>
+          </p:cNvSpPr>
+          <p:nvPr>
+            <p:ph type="sldImg"/>
+          </p:nvPr>
+        </p:nvSpPr>
+        <p:spPr/>
+      </p:sp>
+      <p:sp>
+        <p:nvSpPr>
+          <p:cNvPr id="3" name="Notes Placeholder 2"/>
+          <p:cNvSpPr>
+            <a:spLocks noGrp="1"/>
+          </p:cNvSpPr>
+          <p:nvPr>
+            <p:ph type="body" idx="1"/>
+          </p:nvPr>
+        </p:nvSpPr>
+        <p:spPr/>
+        <p:txBody>
+          <a:bodyPr/>
+          <a:lstStyle/>
+          <a:p>
+            <a:endParaRPr lang="en-US" dirty="0"/>
+          </a:p>
+        </p:txBody>
+      </p:sp>
+      <p:sp>
+        <p:nvSpPr>
+          <p:cNvPr id="4" name="Slide Number Placeholder 3"/>
+          <p:cNvSpPr>
+            <a:spLocks noGrp="1"/>
+          </p:cNvSpPr>
+          <p:nvPr>
+            <p:ph type="sldNum" sz="quarter" idx="10"/>
+          </p:nvPr>
+        </p:nvSpPr>
+        <p:spPr/>
+        <p:txBody>
+          <a:bodyPr/>
+          <a:lstStyle/>
+          <a:p>
+            <a:fld id="{8583362D-8292-0F40-9B1D-5B620D4552E6}" type="slidenum">
+              <a:rPr lang="pt-BR" altLang="x-none" smtClean="0"/>
+              <a:pPr/>
+              <a:t>7</a:t>
+            </a:fld>
+            <a:endParaRPr lang="pt-BR" altLang="x-none"/>
+          </a:p>
+        </p:txBody>
+      </p:sp>
+    </p:spTree>
+    <p:extLst>
+      <p:ext uri="{BB962C8B-B14F-4D97-AF65-F5344CB8AC3E}">
+        <p14:creationId xmlns:p14="http://schemas.microsoft.com/office/powerpoint/2010/main" val="3875172758"/>
       </p:ext>
     </p:extLst>
   </p:cSld>
@@ -1515,14 +1699,14 @@
           </a:ln>
           <a:extLst>
             <a:ext uri="{909E8E84-426E-40dd-AFC4-6F175D3DCCD1}">
-              <a14:hiddenFill xmlns:a14="http://schemas.microsoft.com/office/drawing/2010/main" xmlns="">
+              <a14:hiddenFill xmlns="" xmlns:a14="http://schemas.microsoft.com/office/drawing/2010/main">
                 <a:solidFill>
                   <a:srgbClr val="FFFFFF"/>
                 </a:solidFill>
               </a14:hiddenFill>
             </a:ext>
             <a:ext uri="{91240B29-F687-4f45-9708-019B960494DF}">
-              <a14:hiddenLine xmlns:a14="http://schemas.microsoft.com/office/drawing/2010/main" xmlns="" w="9525">
+              <a14:hiddenLine xmlns="" xmlns:a14="http://schemas.microsoft.com/office/drawing/2010/main" w="9525">
                 <a:solidFill>
                   <a:srgbClr val="000000"/>
                 </a:solidFill>
@@ -1772,14 +1956,14 @@
           </a:ln>
           <a:extLst>
             <a:ext uri="{909E8E84-426E-40dd-AFC4-6F175D3DCCD1}">
-              <a14:hiddenFill xmlns:a14="http://schemas.microsoft.com/office/drawing/2010/main" xmlns="">
+              <a14:hiddenFill xmlns="" xmlns:a14="http://schemas.microsoft.com/office/drawing/2010/main">
                 <a:solidFill>
                   <a:srgbClr val="FFFFFF"/>
                 </a:solidFill>
               </a14:hiddenFill>
             </a:ext>
             <a:ext uri="{91240B29-F687-4f45-9708-019B960494DF}">
-              <a14:hiddenLine xmlns:a14="http://schemas.microsoft.com/office/drawing/2010/main" xmlns="" w="9525">
+              <a14:hiddenLine xmlns="" xmlns:a14="http://schemas.microsoft.com/office/drawing/2010/main" w="9525">
                 <a:solidFill>
                   <a:srgbClr val="000000"/>
                 </a:solidFill>
@@ -1879,14 +2063,14 @@
           </a:ln>
           <a:extLst>
             <a:ext uri="{909E8E84-426E-40dd-AFC4-6F175D3DCCD1}">
-              <a14:hiddenFill xmlns:a14="http://schemas.microsoft.com/office/drawing/2010/main" xmlns="">
+              <a14:hiddenFill xmlns="" xmlns:a14="http://schemas.microsoft.com/office/drawing/2010/main">
                 <a:solidFill>
                   <a:srgbClr val="FFFFFF"/>
                 </a:solidFill>
               </a14:hiddenFill>
             </a:ext>
             <a:ext uri="{91240B29-F687-4f45-9708-019B960494DF}">
-              <a14:hiddenLine xmlns:a14="http://schemas.microsoft.com/office/drawing/2010/main" xmlns="" w="9525">
+              <a14:hiddenLine xmlns="" xmlns:a14="http://schemas.microsoft.com/office/drawing/2010/main" w="9525">
                 <a:solidFill>
                   <a:srgbClr val="000000"/>
                 </a:solidFill>
@@ -1896,7 +2080,7 @@
               </a14:hiddenLine>
             </a:ext>
             <a:ext uri="{FAA26D3D-D897-4be2-8F04-BA451C77F1D7}">
-              <ma14:placeholderFlag xmlns:ma14="http://schemas.microsoft.com/office/mac/drawingml/2011/main" xmlns="" val="1"/>
+              <ma14:placeholderFlag xmlns="" xmlns:ma14="http://schemas.microsoft.com/office/mac/drawingml/2011/main" val="1"/>
             </a:ext>
           </a:extLst>
         </p:spPr>
@@ -3019,14 +3203,14 @@
           </a:ln>
           <a:extLst>
             <a:ext uri="{909E8E84-426E-40dd-AFC4-6F175D3DCCD1}">
-              <a14:hiddenFill xmlns:a14="http://schemas.microsoft.com/office/drawing/2010/main" xmlns="">
+              <a14:hiddenFill xmlns="" xmlns:a14="http://schemas.microsoft.com/office/drawing/2010/main">
                 <a:solidFill>
                   <a:srgbClr val="FFFFFF"/>
                 </a:solidFill>
               </a14:hiddenFill>
             </a:ext>
             <a:ext uri="{91240B29-F687-4f45-9708-019B960494DF}">
-              <a14:hiddenLine xmlns:a14="http://schemas.microsoft.com/office/drawing/2010/main" xmlns="" w="9525">
+              <a14:hiddenLine xmlns="" xmlns:a14="http://schemas.microsoft.com/office/drawing/2010/main" w="9525">
                 <a:solidFill>
                   <a:srgbClr val="000000"/>
                 </a:solidFill>
@@ -3062,14 +3246,14 @@
           </a:ln>
           <a:extLst>
             <a:ext uri="{909E8E84-426E-40dd-AFC4-6F175D3DCCD1}">
-              <a14:hiddenFill xmlns:a14="http://schemas.microsoft.com/office/drawing/2010/main" xmlns="">
+              <a14:hiddenFill xmlns="" xmlns:a14="http://schemas.microsoft.com/office/drawing/2010/main">
                 <a:solidFill>
                   <a:srgbClr val="FFFFFF"/>
                 </a:solidFill>
               </a14:hiddenFill>
             </a:ext>
             <a:ext uri="{91240B29-F687-4f45-9708-019B960494DF}">
-              <a14:hiddenLine xmlns:a14="http://schemas.microsoft.com/office/drawing/2010/main" xmlns="" w="9525">
+              <a14:hiddenLine xmlns="" xmlns:a14="http://schemas.microsoft.com/office/drawing/2010/main" w="9525">
                 <a:solidFill>
                   <a:srgbClr val="000000"/>
                 </a:solidFill>
@@ -3079,7 +3263,7 @@
               </a14:hiddenLine>
             </a:ext>
             <a:ext uri="{FAA26D3D-D897-4be2-8F04-BA451C77F1D7}">
-              <ma14:placeholderFlag xmlns:ma14="http://schemas.microsoft.com/office/mac/drawingml/2011/main" xmlns="" val="1"/>
+              <ma14:placeholderFlag xmlns="" xmlns:ma14="http://schemas.microsoft.com/office/mac/drawingml/2011/main" val="1"/>
             </a:ext>
           </a:extLst>
         </p:spPr>
@@ -3724,6 +3908,855 @@
         </p:txBody>
       </p:sp>
     </p:spTree>
+  </p:cSld>
+  <p:clrMapOvr>
+    <a:masterClrMapping/>
+  </p:clrMapOvr>
+  <p:transition>
+    <p:fade/>
+  </p:transition>
+</p:sld>
+</file>
+
+<file path=ppt/slides/slide10.xml><?xml version="1.0" encoding="utf-8"?>
+<p:sld xmlns:a="http://schemas.openxmlformats.org/drawingml/2006/main" xmlns:r="http://schemas.openxmlformats.org/officeDocument/2006/relationships" xmlns:p="http://schemas.openxmlformats.org/presentationml/2006/main">
+  <p:cSld>
+    <p:spTree>
+      <p:nvGrpSpPr>
+        <p:cNvPr id="1" name=""/>
+        <p:cNvGrpSpPr/>
+        <p:nvPr/>
+      </p:nvGrpSpPr>
+      <p:grpSpPr>
+        <a:xfrm>
+          <a:off x="0" y="0"/>
+          <a:ext cx="0" cy="0"/>
+          <a:chOff x="0" y="0"/>
+          <a:chExt cx="0" cy="0"/>
+        </a:xfrm>
+      </p:grpSpPr>
+      <p:sp>
+        <p:nvSpPr>
+          <p:cNvPr id="2" name="Title 1">
+            <a:extLst>
+              <a:ext uri="{FF2B5EF4-FFF2-40B4-BE49-F238E27FC236}">
+                <a16:creationId xmlns:a16="http://schemas.microsoft.com/office/drawing/2014/main" id="{D4180CC7-F508-0A4D-8D9D-2D6DFDA3B63A}"/>
+              </a:ext>
+            </a:extLst>
+          </p:cNvPr>
+          <p:cNvSpPr>
+            <a:spLocks noGrp="1"/>
+          </p:cNvSpPr>
+          <p:nvPr>
+            <p:ph type="title"/>
+          </p:nvPr>
+        </p:nvSpPr>
+        <p:spPr/>
+        <p:txBody>
+          <a:bodyPr/>
+          <a:lstStyle/>
+          <a:p>
+            <a:r>
+              <a:rPr lang="en-US" dirty="0" err="1"/>
+              <a:t>MatPlotLib</a:t>
+            </a:r>
+            <a:r>
+              <a:rPr lang="en-US" dirty="0"/>
+              <a:t> – Image Display</a:t>
+            </a:r>
+          </a:p>
+        </p:txBody>
+      </p:sp>
+      <p:sp>
+        <p:nvSpPr>
+          <p:cNvPr id="3" name="Date Placeholder 2">
+            <a:extLst>
+              <a:ext uri="{FF2B5EF4-FFF2-40B4-BE49-F238E27FC236}">
+                <a16:creationId xmlns:a16="http://schemas.microsoft.com/office/drawing/2014/main" id="{10454C37-139D-8240-B8B7-26A6CB951D0E}"/>
+              </a:ext>
+            </a:extLst>
+          </p:cNvPr>
+          <p:cNvSpPr>
+            <a:spLocks noGrp="1"/>
+          </p:cNvSpPr>
+          <p:nvPr>
+            <p:ph type="dt" sz="half" idx="10"/>
+          </p:nvPr>
+        </p:nvSpPr>
+        <p:spPr/>
+        <p:txBody>
+          <a:bodyPr/>
+          <a:lstStyle/>
+          <a:p>
+            <a:pPr>
+              <a:defRPr/>
+            </a:pPr>
+            <a:r>
+              <a:rPr lang="en-US"/>
+              <a:t>14/05/2019</a:t>
+            </a:r>
+            <a:endParaRPr lang="pt-BR" dirty="0"/>
+          </a:p>
+        </p:txBody>
+      </p:sp>
+      <p:sp>
+        <p:nvSpPr>
+          <p:cNvPr id="4" name="Footer Placeholder 3">
+            <a:extLst>
+              <a:ext uri="{FF2B5EF4-FFF2-40B4-BE49-F238E27FC236}">
+                <a16:creationId xmlns:a16="http://schemas.microsoft.com/office/drawing/2014/main" id="{26C6C84A-22EA-DE47-A964-D10874AF7DD3}"/>
+              </a:ext>
+            </a:extLst>
+          </p:cNvPr>
+          <p:cNvSpPr>
+            <a:spLocks noGrp="1"/>
+          </p:cNvSpPr>
+          <p:nvPr>
+            <p:ph type="ftr" sz="quarter" idx="11"/>
+          </p:nvPr>
+        </p:nvSpPr>
+        <p:spPr/>
+        <p:txBody>
+          <a:bodyPr/>
+          <a:lstStyle/>
+          <a:p>
+            <a:pPr>
+              <a:defRPr/>
+            </a:pPr>
+            <a:r>
+              <a:rPr lang="pt-BR"/>
+              <a:t>PTS2019 - Data Analysis and Visualization I</a:t>
+            </a:r>
+            <a:endParaRPr lang="pt-BR" dirty="0"/>
+          </a:p>
+        </p:txBody>
+      </p:sp>
+      <p:sp>
+        <p:nvSpPr>
+          <p:cNvPr id="5" name="Slide Number Placeholder 4">
+            <a:extLst>
+              <a:ext uri="{FF2B5EF4-FFF2-40B4-BE49-F238E27FC236}">
+                <a16:creationId xmlns:a16="http://schemas.microsoft.com/office/drawing/2014/main" id="{2C56F56B-8B69-DD46-AEC3-B7B6415298C2}"/>
+              </a:ext>
+            </a:extLst>
+          </p:cNvPr>
+          <p:cNvSpPr>
+            <a:spLocks noGrp="1"/>
+          </p:cNvSpPr>
+          <p:nvPr>
+            <p:ph type="sldNum" sz="quarter" idx="12"/>
+          </p:nvPr>
+        </p:nvSpPr>
+        <p:spPr/>
+        <p:txBody>
+          <a:bodyPr/>
+          <a:lstStyle/>
+          <a:p>
+            <a:fld id="{0ACDAA0B-38DC-8943-9C5D-D77398DF067C}" type="slidenum">
+              <a:rPr lang="pt-BR" altLang="x-none" smtClean="0"/>
+              <a:pPr/>
+              <a:t>10</a:t>
+            </a:fld>
+            <a:endParaRPr lang="pt-BR" altLang="x-none" dirty="0"/>
+          </a:p>
+        </p:txBody>
+      </p:sp>
+      <p:sp>
+        <p:nvSpPr>
+          <p:cNvPr id="6" name="Rectangle 5">
+            <a:extLst>
+              <a:ext uri="{FF2B5EF4-FFF2-40B4-BE49-F238E27FC236}">
+                <a16:creationId xmlns:a16="http://schemas.microsoft.com/office/drawing/2014/main" id="{240E4E75-DADF-744F-BE99-57971CFED0D6}"/>
+              </a:ext>
+            </a:extLst>
+          </p:cNvPr>
+          <p:cNvSpPr/>
+          <p:nvPr/>
+        </p:nvSpPr>
+        <p:spPr>
+          <a:xfrm>
+            <a:off x="251520" y="1484784"/>
+            <a:ext cx="5544616" cy="2664296"/>
+          </a:xfrm>
+          <a:prstGeom prst="rect">
+            <a:avLst/>
+          </a:prstGeom>
+          <a:solidFill>
+            <a:schemeClr val="bg1">
+              <a:lumMod val="95000"/>
+            </a:schemeClr>
+          </a:solidFill>
+          <a:ln w="12700">
+            <a:solidFill>
+              <a:schemeClr val="bg1">
+                <a:lumMod val="75000"/>
+              </a:schemeClr>
+            </a:solidFill>
+          </a:ln>
+        </p:spPr>
+        <p:style>
+          <a:lnRef idx="2">
+            <a:schemeClr val="accent1">
+              <a:shade val="50000"/>
+            </a:schemeClr>
+          </a:lnRef>
+          <a:fillRef idx="1">
+            <a:schemeClr val="accent1"/>
+          </a:fillRef>
+          <a:effectRef idx="0">
+            <a:schemeClr val="accent1"/>
+          </a:effectRef>
+          <a:fontRef idx="minor">
+            <a:schemeClr val="lt1"/>
+          </a:fontRef>
+        </p:style>
+        <p:txBody>
+          <a:bodyPr tIns="72000" bIns="72000" rtlCol="0" anchor="t">
+            <a:noAutofit/>
+          </a:bodyPr>
+          <a:lstStyle/>
+          <a:p>
+            <a:r>
+              <a:rPr lang="en-US" b="1" dirty="0">
+                <a:solidFill>
+                  <a:srgbClr val="008000"/>
+                </a:solidFill>
+                <a:latin typeface="Consolas" panose="020B0609020204030204" pitchFamily="49" charset="0"/>
+                <a:cs typeface="Consolas" panose="020B0609020204030204" pitchFamily="49" charset="0"/>
+              </a:rPr>
+              <a:t>import</a:t>
+            </a:r>
+            <a:r>
+              <a:rPr lang="en-US" dirty="0">
+                <a:solidFill>
+                  <a:schemeClr val="tx1"/>
+                </a:solidFill>
+                <a:latin typeface="Consolas" panose="020B0609020204030204" pitchFamily="49" charset="0"/>
+                <a:cs typeface="Consolas" panose="020B0609020204030204" pitchFamily="49" charset="0"/>
+              </a:rPr>
+              <a:t> </a:t>
+            </a:r>
+            <a:r>
+              <a:rPr lang="en-US" dirty="0" err="1">
+                <a:solidFill>
+                  <a:schemeClr val="tx1"/>
+                </a:solidFill>
+                <a:latin typeface="Consolas" panose="020B0609020204030204" pitchFamily="49" charset="0"/>
+                <a:cs typeface="Consolas" panose="020B0609020204030204" pitchFamily="49" charset="0"/>
+              </a:rPr>
+              <a:t>numpy</a:t>
+            </a:r>
+            <a:r>
+              <a:rPr lang="en-US" dirty="0">
+                <a:solidFill>
+                  <a:schemeClr val="tx1"/>
+                </a:solidFill>
+                <a:latin typeface="Consolas" panose="020B0609020204030204" pitchFamily="49" charset="0"/>
+                <a:cs typeface="Consolas" panose="020B0609020204030204" pitchFamily="49" charset="0"/>
+              </a:rPr>
+              <a:t> </a:t>
+            </a:r>
+            <a:r>
+              <a:rPr lang="en-US" b="1" dirty="0">
+                <a:solidFill>
+                  <a:srgbClr val="008000"/>
+                </a:solidFill>
+                <a:latin typeface="Consolas" panose="020B0609020204030204" pitchFamily="49" charset="0"/>
+                <a:cs typeface="Consolas" panose="020B0609020204030204" pitchFamily="49" charset="0"/>
+              </a:rPr>
+              <a:t>as</a:t>
+            </a:r>
+            <a:r>
+              <a:rPr lang="en-US" dirty="0">
+                <a:solidFill>
+                  <a:schemeClr val="tx1"/>
+                </a:solidFill>
+                <a:latin typeface="Consolas" panose="020B0609020204030204" pitchFamily="49" charset="0"/>
+                <a:cs typeface="Consolas" panose="020B0609020204030204" pitchFamily="49" charset="0"/>
+              </a:rPr>
+              <a:t> np</a:t>
+            </a:r>
+          </a:p>
+          <a:p>
+            <a:r>
+              <a:rPr lang="en-US" b="1" dirty="0">
+                <a:solidFill>
+                  <a:srgbClr val="008000"/>
+                </a:solidFill>
+                <a:latin typeface="Consolas" panose="020B0609020204030204" pitchFamily="49" charset="0"/>
+                <a:cs typeface="Consolas" panose="020B0609020204030204" pitchFamily="49" charset="0"/>
+              </a:rPr>
+              <a:t>from</a:t>
+            </a:r>
+            <a:r>
+              <a:rPr lang="en-US" dirty="0">
+                <a:solidFill>
+                  <a:schemeClr val="tx1"/>
+                </a:solidFill>
+                <a:latin typeface="Consolas" panose="020B0609020204030204" pitchFamily="49" charset="0"/>
+                <a:cs typeface="Consolas" panose="020B0609020204030204" pitchFamily="49" charset="0"/>
+              </a:rPr>
+              <a:t> matplotlib </a:t>
+            </a:r>
+            <a:r>
+              <a:rPr lang="en-US" b="1" dirty="0">
+                <a:solidFill>
+                  <a:srgbClr val="008000"/>
+                </a:solidFill>
+                <a:latin typeface="Consolas" panose="020B0609020204030204" pitchFamily="49" charset="0"/>
+                <a:cs typeface="Consolas" panose="020B0609020204030204" pitchFamily="49" charset="0"/>
+              </a:rPr>
+              <a:t>import</a:t>
+            </a:r>
+            <a:r>
+              <a:rPr lang="en-US" dirty="0">
+                <a:solidFill>
+                  <a:schemeClr val="tx1"/>
+                </a:solidFill>
+                <a:latin typeface="Consolas" panose="020B0609020204030204" pitchFamily="49" charset="0"/>
+                <a:cs typeface="Consolas" panose="020B0609020204030204" pitchFamily="49" charset="0"/>
+              </a:rPr>
+              <a:t> </a:t>
+            </a:r>
+            <a:r>
+              <a:rPr lang="en-US" dirty="0" err="1">
+                <a:solidFill>
+                  <a:schemeClr val="tx1"/>
+                </a:solidFill>
+                <a:latin typeface="Consolas" panose="020B0609020204030204" pitchFamily="49" charset="0"/>
+                <a:cs typeface="Consolas" panose="020B0609020204030204" pitchFamily="49" charset="0"/>
+              </a:rPr>
+              <a:t>pyplot</a:t>
+            </a:r>
+            <a:r>
+              <a:rPr lang="en-US" dirty="0">
+                <a:solidFill>
+                  <a:schemeClr val="tx1"/>
+                </a:solidFill>
+                <a:latin typeface="Consolas" panose="020B0609020204030204" pitchFamily="49" charset="0"/>
+                <a:cs typeface="Consolas" panose="020B0609020204030204" pitchFamily="49" charset="0"/>
+              </a:rPr>
+              <a:t> </a:t>
+            </a:r>
+            <a:r>
+              <a:rPr lang="en-US" b="1" dirty="0">
+                <a:solidFill>
+                  <a:srgbClr val="008000"/>
+                </a:solidFill>
+                <a:latin typeface="Consolas" panose="020B0609020204030204" pitchFamily="49" charset="0"/>
+                <a:cs typeface="Consolas" panose="020B0609020204030204" pitchFamily="49" charset="0"/>
+              </a:rPr>
+              <a:t>as</a:t>
+            </a:r>
+            <a:r>
+              <a:rPr lang="en-US" dirty="0">
+                <a:solidFill>
+                  <a:schemeClr val="tx1"/>
+                </a:solidFill>
+                <a:latin typeface="Consolas" panose="020B0609020204030204" pitchFamily="49" charset="0"/>
+                <a:cs typeface="Consolas" panose="020B0609020204030204" pitchFamily="49" charset="0"/>
+              </a:rPr>
+              <a:t> </a:t>
+            </a:r>
+            <a:r>
+              <a:rPr lang="en-US" dirty="0" err="1">
+                <a:solidFill>
+                  <a:schemeClr val="tx1"/>
+                </a:solidFill>
+                <a:latin typeface="Consolas" panose="020B0609020204030204" pitchFamily="49" charset="0"/>
+                <a:cs typeface="Consolas" panose="020B0609020204030204" pitchFamily="49" charset="0"/>
+              </a:rPr>
+              <a:t>plt</a:t>
+            </a:r>
+            <a:endParaRPr lang="en-US" dirty="0">
+              <a:solidFill>
+                <a:schemeClr val="tx1"/>
+              </a:solidFill>
+              <a:latin typeface="Consolas" panose="020B0609020204030204" pitchFamily="49" charset="0"/>
+              <a:cs typeface="Consolas" panose="020B0609020204030204" pitchFamily="49" charset="0"/>
+            </a:endParaRPr>
+          </a:p>
+          <a:p>
+            <a:endParaRPr lang="en-US" dirty="0">
+              <a:solidFill>
+                <a:schemeClr val="tx1"/>
+              </a:solidFill>
+              <a:latin typeface="Consolas" panose="020B0609020204030204" pitchFamily="49" charset="0"/>
+              <a:cs typeface="Consolas" panose="020B0609020204030204" pitchFamily="49" charset="0"/>
+            </a:endParaRPr>
+          </a:p>
+          <a:p>
+            <a:r>
+              <a:rPr lang="en-US" dirty="0" err="1">
+                <a:solidFill>
+                  <a:schemeClr val="tx1"/>
+                </a:solidFill>
+                <a:latin typeface="Consolas" panose="020B0609020204030204" pitchFamily="49" charset="0"/>
+                <a:cs typeface="Consolas" panose="020B0609020204030204" pitchFamily="49" charset="0"/>
+              </a:rPr>
+              <a:t>np.random.seed</a:t>
+            </a:r>
+            <a:r>
+              <a:rPr lang="en-US" dirty="0">
+                <a:solidFill>
+                  <a:schemeClr val="tx1"/>
+                </a:solidFill>
+                <a:latin typeface="Consolas" panose="020B0609020204030204" pitchFamily="49" charset="0"/>
+                <a:cs typeface="Consolas" panose="020B0609020204030204" pitchFamily="49" charset="0"/>
+              </a:rPr>
+              <a:t>(</a:t>
+            </a:r>
+            <a:r>
+              <a:rPr lang="en-US" dirty="0">
+                <a:solidFill>
+                  <a:srgbClr val="088000"/>
+                </a:solidFill>
+                <a:latin typeface="Consolas" panose="020B0609020204030204" pitchFamily="49" charset="0"/>
+                <a:cs typeface="Consolas" panose="020B0609020204030204" pitchFamily="49" charset="0"/>
+              </a:rPr>
+              <a:t>0</a:t>
+            </a:r>
+            <a:r>
+              <a:rPr lang="en-US" dirty="0">
+                <a:solidFill>
+                  <a:schemeClr val="tx1"/>
+                </a:solidFill>
+                <a:latin typeface="Consolas" panose="020B0609020204030204" pitchFamily="49" charset="0"/>
+                <a:cs typeface="Consolas" panose="020B0609020204030204" pitchFamily="49" charset="0"/>
+              </a:rPr>
+              <a:t>) </a:t>
+            </a:r>
+          </a:p>
+          <a:p>
+            <a:r>
+              <a:rPr lang="en-US" dirty="0">
+                <a:solidFill>
+                  <a:schemeClr val="tx1"/>
+                </a:solidFill>
+                <a:latin typeface="Consolas" panose="020B0609020204030204" pitchFamily="49" charset="0"/>
+                <a:cs typeface="Consolas" panose="020B0609020204030204" pitchFamily="49" charset="0"/>
+              </a:rPr>
+              <a:t>data </a:t>
+            </a:r>
+            <a:r>
+              <a:rPr lang="en-US" b="1" dirty="0">
+                <a:solidFill>
+                  <a:srgbClr val="AA22FF"/>
+                </a:solidFill>
+                <a:latin typeface="Consolas" panose="020B0609020204030204" pitchFamily="49" charset="0"/>
+                <a:cs typeface="Consolas" panose="020B0609020204030204" pitchFamily="49" charset="0"/>
+              </a:rPr>
+              <a:t>=</a:t>
+            </a:r>
+            <a:r>
+              <a:rPr lang="en-US" dirty="0">
+                <a:solidFill>
+                  <a:schemeClr val="tx1"/>
+                </a:solidFill>
+                <a:latin typeface="Consolas" panose="020B0609020204030204" pitchFamily="49" charset="0"/>
+                <a:cs typeface="Consolas" panose="020B0609020204030204" pitchFamily="49" charset="0"/>
+              </a:rPr>
+              <a:t> </a:t>
+            </a:r>
+            <a:r>
+              <a:rPr lang="en-US" dirty="0" err="1">
+                <a:solidFill>
+                  <a:schemeClr val="tx1"/>
+                </a:solidFill>
+                <a:latin typeface="Consolas" panose="020B0609020204030204" pitchFamily="49" charset="0"/>
+                <a:cs typeface="Consolas" panose="020B0609020204030204" pitchFamily="49" charset="0"/>
+              </a:rPr>
+              <a:t>np.random.uniform</a:t>
+            </a:r>
+            <a:r>
+              <a:rPr lang="en-US" dirty="0">
+                <a:solidFill>
+                  <a:schemeClr val="tx1"/>
+                </a:solidFill>
+                <a:latin typeface="Consolas" panose="020B0609020204030204" pitchFamily="49" charset="0"/>
+                <a:cs typeface="Consolas" panose="020B0609020204030204" pitchFamily="49" charset="0"/>
+              </a:rPr>
+              <a:t>(size</a:t>
+            </a:r>
+            <a:r>
+              <a:rPr lang="en-US" b="1" dirty="0">
+                <a:solidFill>
+                  <a:srgbClr val="AA22FF"/>
+                </a:solidFill>
+                <a:latin typeface="Consolas" panose="020B0609020204030204" pitchFamily="49" charset="0"/>
+                <a:cs typeface="Consolas" panose="020B0609020204030204" pitchFamily="49" charset="0"/>
+              </a:rPr>
+              <a:t>=</a:t>
+            </a:r>
+            <a:r>
+              <a:rPr lang="en-US" dirty="0">
+                <a:solidFill>
+                  <a:schemeClr val="tx1"/>
+                </a:solidFill>
+                <a:latin typeface="Consolas" panose="020B0609020204030204" pitchFamily="49" charset="0"/>
+                <a:cs typeface="Consolas" panose="020B0609020204030204" pitchFamily="49" charset="0"/>
+              </a:rPr>
+              <a:t>(5, 5))</a:t>
+            </a:r>
+          </a:p>
+          <a:p>
+            <a:endParaRPr lang="en-US" dirty="0">
+              <a:solidFill>
+                <a:schemeClr val="tx1"/>
+              </a:solidFill>
+              <a:latin typeface="Consolas" panose="020B0609020204030204" pitchFamily="49" charset="0"/>
+              <a:cs typeface="Consolas" panose="020B0609020204030204" pitchFamily="49" charset="0"/>
+            </a:endParaRPr>
+          </a:p>
+          <a:p>
+            <a:r>
+              <a:rPr lang="en-US" dirty="0">
+                <a:solidFill>
+                  <a:schemeClr val="tx1"/>
+                </a:solidFill>
+                <a:latin typeface="Consolas" panose="020B0609020204030204" pitchFamily="49" charset="0"/>
+                <a:cs typeface="Consolas" panose="020B0609020204030204" pitchFamily="49" charset="0"/>
+              </a:rPr>
+              <a:t>fig, ax</a:t>
+            </a:r>
+            <a:r>
+              <a:rPr lang="en-US" b="1" dirty="0">
+                <a:solidFill>
+                  <a:srgbClr val="AA22FF"/>
+                </a:solidFill>
+                <a:latin typeface="Consolas" panose="020B0609020204030204" pitchFamily="49" charset="0"/>
+                <a:cs typeface="Consolas" panose="020B0609020204030204" pitchFamily="49" charset="0"/>
+              </a:rPr>
+              <a:t> = </a:t>
+            </a:r>
+            <a:r>
+              <a:rPr lang="en-US" dirty="0" err="1">
+                <a:solidFill>
+                  <a:schemeClr val="tx1"/>
+                </a:solidFill>
+                <a:latin typeface="Consolas" panose="020B0609020204030204" pitchFamily="49" charset="0"/>
+                <a:cs typeface="Consolas" panose="020B0609020204030204" pitchFamily="49" charset="0"/>
+              </a:rPr>
+              <a:t>plt.subplots</a:t>
+            </a:r>
+            <a:r>
+              <a:rPr lang="en-US" dirty="0">
+                <a:solidFill>
+                  <a:schemeClr val="tx1"/>
+                </a:solidFill>
+                <a:latin typeface="Consolas" panose="020B0609020204030204" pitchFamily="49" charset="0"/>
+                <a:cs typeface="Consolas" panose="020B0609020204030204" pitchFamily="49" charset="0"/>
+              </a:rPr>
+              <a:t>(</a:t>
+            </a:r>
+            <a:r>
+              <a:rPr lang="en-US" dirty="0" err="1">
+                <a:solidFill>
+                  <a:schemeClr val="tx1"/>
+                </a:solidFill>
+                <a:latin typeface="Consolas" panose="020B0609020204030204" pitchFamily="49" charset="0"/>
+                <a:cs typeface="Consolas" panose="020B0609020204030204" pitchFamily="49" charset="0"/>
+              </a:rPr>
+              <a:t>num</a:t>
+            </a:r>
+            <a:r>
+              <a:rPr lang="en-US" b="1" dirty="0">
+                <a:solidFill>
+                  <a:srgbClr val="AA22FF"/>
+                </a:solidFill>
+                <a:latin typeface="Consolas" panose="020B0609020204030204" pitchFamily="49" charset="0"/>
+                <a:cs typeface="Consolas" panose="020B0609020204030204" pitchFamily="49" charset="0"/>
+              </a:rPr>
+              <a:t>=</a:t>
+            </a:r>
+            <a:r>
+              <a:rPr lang="en-US" dirty="0">
+                <a:solidFill>
+                  <a:srgbClr val="BA2121"/>
+                </a:solidFill>
+                <a:latin typeface="Consolas" panose="020B0609020204030204" pitchFamily="49" charset="0"/>
+                <a:cs typeface="Consolas" panose="020B0609020204030204" pitchFamily="49" charset="0"/>
+              </a:rPr>
+              <a:t>'</a:t>
+            </a:r>
+            <a:r>
+              <a:rPr lang="en-US" dirty="0" err="1">
+                <a:solidFill>
+                  <a:srgbClr val="BA2121"/>
+                </a:solidFill>
+                <a:latin typeface="Consolas" panose="020B0609020204030204" pitchFamily="49" charset="0"/>
+                <a:cs typeface="Consolas" panose="020B0609020204030204" pitchFamily="49" charset="0"/>
+              </a:rPr>
+              <a:t>my_fig</a:t>
+            </a:r>
+            <a:r>
+              <a:rPr lang="en-US" dirty="0">
+                <a:solidFill>
+                  <a:srgbClr val="BA2121"/>
+                </a:solidFill>
+                <a:latin typeface="Consolas" panose="020B0609020204030204" pitchFamily="49" charset="0"/>
+                <a:cs typeface="Consolas" panose="020B0609020204030204" pitchFamily="49" charset="0"/>
+              </a:rPr>
+              <a:t>'</a:t>
+            </a:r>
+            <a:r>
+              <a:rPr lang="en-US" dirty="0">
+                <a:solidFill>
+                  <a:schemeClr val="tx1"/>
+                </a:solidFill>
+                <a:latin typeface="Consolas" panose="020B0609020204030204" pitchFamily="49" charset="0"/>
+                <a:cs typeface="Consolas" panose="020B0609020204030204" pitchFamily="49" charset="0"/>
+              </a:rPr>
+              <a:t>)</a:t>
+            </a:r>
+          </a:p>
+          <a:p>
+            <a:r>
+              <a:rPr lang="en-US" dirty="0" err="1">
+                <a:solidFill>
+                  <a:schemeClr val="tx1"/>
+                </a:solidFill>
+                <a:latin typeface="Consolas" panose="020B0609020204030204" pitchFamily="49" charset="0"/>
+                <a:cs typeface="Consolas" panose="020B0609020204030204" pitchFamily="49" charset="0"/>
+              </a:rPr>
+              <a:t>ax.imshow</a:t>
+            </a:r>
+            <a:r>
+              <a:rPr lang="en-US" dirty="0">
+                <a:solidFill>
+                  <a:schemeClr val="tx1"/>
+                </a:solidFill>
+                <a:latin typeface="Consolas" panose="020B0609020204030204" pitchFamily="49" charset="0"/>
+                <a:cs typeface="Consolas" panose="020B0609020204030204" pitchFamily="49" charset="0"/>
+              </a:rPr>
+              <a:t>(data)</a:t>
+            </a:r>
+          </a:p>
+          <a:p>
+            <a:r>
+              <a:rPr lang="en-US" dirty="0" err="1">
+                <a:solidFill>
+                  <a:schemeClr val="tx1"/>
+                </a:solidFill>
+                <a:latin typeface="Consolas" panose="020B0609020204030204" pitchFamily="49" charset="0"/>
+                <a:cs typeface="Consolas" panose="020B0609020204030204" pitchFamily="49" charset="0"/>
+              </a:rPr>
+              <a:t>plt.show</a:t>
+            </a:r>
+            <a:r>
+              <a:rPr lang="en-US" dirty="0">
+                <a:solidFill>
+                  <a:schemeClr val="tx1"/>
+                </a:solidFill>
+                <a:latin typeface="Consolas" panose="020B0609020204030204" pitchFamily="49" charset="0"/>
+                <a:cs typeface="Consolas" panose="020B0609020204030204" pitchFamily="49" charset="0"/>
+              </a:rPr>
+              <a:t>()</a:t>
+            </a:r>
+          </a:p>
+        </p:txBody>
+      </p:sp>
+      <p:sp>
+        <p:nvSpPr>
+          <p:cNvPr id="7" name="Title 1">
+            <a:extLst>
+              <a:ext uri="{FF2B5EF4-FFF2-40B4-BE49-F238E27FC236}">
+                <a16:creationId xmlns:a16="http://schemas.microsoft.com/office/drawing/2014/main" id="{CC5C1143-5D05-5642-A251-37ED78C3EBED}"/>
+              </a:ext>
+            </a:extLst>
+          </p:cNvPr>
+          <p:cNvSpPr txBox="1">
+            <a:spLocks/>
+          </p:cNvSpPr>
+          <p:nvPr/>
+        </p:nvSpPr>
+        <p:spPr bwMode="auto">
+          <a:xfrm>
+            <a:off x="1259632" y="980083"/>
+            <a:ext cx="7427912" cy="720725"/>
+          </a:xfrm>
+          <a:prstGeom prst="rect">
+            <a:avLst/>
+          </a:prstGeom>
+          <a:noFill/>
+          <a:ln>
+            <a:noFill/>
+          </a:ln>
+          <a:extLst>
+            <a:ext uri="{909E8E84-426E-40dd-AFC4-6F175D3DCCD1}">
+              <a14:hiddenFill xmlns="" xmlns:a14="http://schemas.microsoft.com/office/drawing/2010/main">
+                <a:solidFill>
+                  <a:srgbClr val="FFFFFF"/>
+                </a:solidFill>
+              </a14:hiddenFill>
+            </a:ext>
+            <a:ext uri="{91240B29-F687-4f45-9708-019B960494DF}">
+              <a14:hiddenLine xmlns="" xmlns:a14="http://schemas.microsoft.com/office/drawing/2010/main" w="9525">
+                <a:solidFill>
+                  <a:srgbClr val="000000"/>
+                </a:solidFill>
+                <a:miter lim="800000"/>
+                <a:headEnd/>
+                <a:tailEnd/>
+              </a14:hiddenLine>
+            </a:ext>
+            <a:ext uri="{FAA26D3D-D897-4be2-8F04-BA451C77F1D7}">
+              <ma14:placeholderFlag xmlns="" xmlns:ma14="http://schemas.microsoft.com/office/mac/drawingml/2011/main" val="1"/>
+            </a:ext>
+          </a:extLst>
+        </p:spPr>
+        <p:txBody>
+          <a:bodyPr vert="horz" wrap="square" lIns="91440" tIns="45720" rIns="91440" bIns="45720" numCol="1" anchor="ctr" anchorCtr="0" compatLnSpc="1">
+            <a:prstTxWarp prst="textNoShape">
+              <a:avLst/>
+            </a:prstTxWarp>
+          </a:bodyPr>
+          <a:lstStyle>
+            <a:lvl1pPr algn="l" rtl="0" eaLnBrk="0" fontAlgn="base" hangingPunct="0">
+              <a:spcBef>
+                <a:spcPct val="0"/>
+              </a:spcBef>
+              <a:spcAft>
+                <a:spcPct val="0"/>
+              </a:spcAft>
+              <a:defRPr sz="4000" kern="1200">
+                <a:solidFill>
+                  <a:schemeClr val="tx1"/>
+                </a:solidFill>
+                <a:latin typeface="+mj-lt"/>
+                <a:ea typeface="+mj-ea"/>
+                <a:cs typeface="+mj-cs"/>
+              </a:defRPr>
+            </a:lvl1pPr>
+            <a:lvl2pPr algn="l" rtl="0" eaLnBrk="0" fontAlgn="base" hangingPunct="0">
+              <a:spcBef>
+                <a:spcPct val="0"/>
+              </a:spcBef>
+              <a:spcAft>
+                <a:spcPct val="0"/>
+              </a:spcAft>
+              <a:defRPr sz="4000">
+                <a:solidFill>
+                  <a:schemeClr val="tx1"/>
+                </a:solidFill>
+                <a:latin typeface="Calibri" pitchFamily="34" charset="0"/>
+              </a:defRPr>
+            </a:lvl2pPr>
+            <a:lvl3pPr algn="l" rtl="0" eaLnBrk="0" fontAlgn="base" hangingPunct="0">
+              <a:spcBef>
+                <a:spcPct val="0"/>
+              </a:spcBef>
+              <a:spcAft>
+                <a:spcPct val="0"/>
+              </a:spcAft>
+              <a:defRPr sz="4000">
+                <a:solidFill>
+                  <a:schemeClr val="tx1"/>
+                </a:solidFill>
+                <a:latin typeface="Calibri" pitchFamily="34" charset="0"/>
+              </a:defRPr>
+            </a:lvl3pPr>
+            <a:lvl4pPr algn="l" rtl="0" eaLnBrk="0" fontAlgn="base" hangingPunct="0">
+              <a:spcBef>
+                <a:spcPct val="0"/>
+              </a:spcBef>
+              <a:spcAft>
+                <a:spcPct val="0"/>
+              </a:spcAft>
+              <a:defRPr sz="4000">
+                <a:solidFill>
+                  <a:schemeClr val="tx1"/>
+                </a:solidFill>
+                <a:latin typeface="Calibri" pitchFamily="34" charset="0"/>
+              </a:defRPr>
+            </a:lvl4pPr>
+            <a:lvl5pPr algn="l" rtl="0" eaLnBrk="0" fontAlgn="base" hangingPunct="0">
+              <a:spcBef>
+                <a:spcPct val="0"/>
+              </a:spcBef>
+              <a:spcAft>
+                <a:spcPct val="0"/>
+              </a:spcAft>
+              <a:defRPr sz="4000">
+                <a:solidFill>
+                  <a:schemeClr val="tx1"/>
+                </a:solidFill>
+                <a:latin typeface="Calibri" pitchFamily="34" charset="0"/>
+              </a:defRPr>
+            </a:lvl5pPr>
+            <a:lvl6pPr marL="457200" algn="l" rtl="0" fontAlgn="base">
+              <a:spcBef>
+                <a:spcPct val="0"/>
+              </a:spcBef>
+              <a:spcAft>
+                <a:spcPct val="0"/>
+              </a:spcAft>
+              <a:defRPr sz="4000">
+                <a:solidFill>
+                  <a:schemeClr val="tx1"/>
+                </a:solidFill>
+                <a:latin typeface="Calibri" pitchFamily="34" charset="0"/>
+              </a:defRPr>
+            </a:lvl6pPr>
+            <a:lvl7pPr marL="914400" algn="l" rtl="0" fontAlgn="base">
+              <a:spcBef>
+                <a:spcPct val="0"/>
+              </a:spcBef>
+              <a:spcAft>
+                <a:spcPct val="0"/>
+              </a:spcAft>
+              <a:defRPr sz="4000">
+                <a:solidFill>
+                  <a:schemeClr val="tx1"/>
+                </a:solidFill>
+                <a:latin typeface="Calibri" pitchFamily="34" charset="0"/>
+              </a:defRPr>
+            </a:lvl7pPr>
+            <a:lvl8pPr marL="1371600" algn="l" rtl="0" fontAlgn="base">
+              <a:spcBef>
+                <a:spcPct val="0"/>
+              </a:spcBef>
+              <a:spcAft>
+                <a:spcPct val="0"/>
+              </a:spcAft>
+              <a:defRPr sz="4000">
+                <a:solidFill>
+                  <a:schemeClr val="tx1"/>
+                </a:solidFill>
+                <a:latin typeface="Calibri" pitchFamily="34" charset="0"/>
+              </a:defRPr>
+            </a:lvl8pPr>
+            <a:lvl9pPr marL="1828800" algn="l" rtl="0" fontAlgn="base">
+              <a:spcBef>
+                <a:spcPct val="0"/>
+              </a:spcBef>
+              <a:spcAft>
+                <a:spcPct val="0"/>
+              </a:spcAft>
+              <a:defRPr sz="4000">
+                <a:solidFill>
+                  <a:schemeClr val="tx1"/>
+                </a:solidFill>
+                <a:latin typeface="Calibri" pitchFamily="34" charset="0"/>
+              </a:defRPr>
+            </a:lvl9pPr>
+          </a:lstStyle>
+          <a:p>
+            <a:pPr algn="r"/>
+            <a:r>
+              <a:rPr lang="en-US" sz="2800" dirty="0"/>
+              <a:t>My First Image</a:t>
+            </a:r>
+            <a:endParaRPr lang="en-US" dirty="0"/>
+          </a:p>
+        </p:txBody>
+      </p:sp>
+    </p:spTree>
+    <p:extLst>
+      <p:ext uri="{BB962C8B-B14F-4D97-AF65-F5344CB8AC3E}">
+        <p14:creationId xmlns:p14="http://schemas.microsoft.com/office/powerpoint/2010/main" val="3446857248"/>
+      </p:ext>
+    </p:extLst>
   </p:cSld>
   <p:clrMapOvr>
     <a:masterClrMapping/>
@@ -5255,22 +6288,11 @@
               </a:rPr>
               <a:t>DataViz 2</a:t>
             </a:r>
-          </a:p>
-          <a:p>
-            <a:pPr algn="ctr">
-              <a:lnSpc>
-                <a:spcPct val="200000"/>
-              </a:lnSpc>
-              <a:defRPr/>
-            </a:pPr>
-            <a:r>
-              <a:rPr lang="en-US" sz="2000" dirty="0">
-                <a:latin typeface="Arial" panose="020B0604020202020204" pitchFamily="34" charset="0"/>
-                <a:ea typeface="+mn-ea"/>
-                <a:cs typeface="Arial" panose="020B0604020202020204" pitchFamily="34" charset="0"/>
-              </a:rPr>
-              <a:t>SciPy</a:t>
-            </a:r>
+            <a:endParaRPr lang="en-US" sz="2000" dirty="0">
+              <a:latin typeface="Arial" panose="020B0604020202020204" pitchFamily="34" charset="0"/>
+              <a:ea typeface="+mn-ea"/>
+              <a:cs typeface="Arial" panose="020B0604020202020204" pitchFamily="34" charset="0"/>
+            </a:endParaRPr>
           </a:p>
           <a:p>
             <a:pPr algn="ctr">
@@ -5339,6 +6361,13 @@
             <a:pPr algn="ctr">
               <a:defRPr/>
             </a:pPr>
+            <a:r>
+              <a:rPr lang="en-US" dirty="0">
+                <a:latin typeface="Arial" panose="020B0604020202020204" pitchFamily="34" charset="0"/>
+                <a:cs typeface="Arial" panose="020B0604020202020204" pitchFamily="34" charset="0"/>
+              </a:rPr>
+              <a:t>SciPy</a:t>
+            </a:r>
             <a:endParaRPr lang="pt-BR" dirty="0">
               <a:latin typeface="Arial" panose="020B0604020202020204" pitchFamily="34" charset="0"/>
               <a:ea typeface="+mn-ea"/>
@@ -6148,16 +7177,12 @@
           <a:lstStyle/>
           <a:p>
             <a:r>
-              <a:rPr lang="en-US" sz="2000" dirty="0" err="1">
-                <a:latin typeface="Consolas" panose="020B0609020204030204" pitchFamily="49" charset="0"/>
-                <a:cs typeface="Consolas" panose="020B0609020204030204" pitchFamily="49" charset="0"/>
-              </a:rPr>
-              <a:t>spacial</a:t>
-            </a:r>
-            <a:endParaRPr lang="en-US" sz="2000" dirty="0">
-              <a:latin typeface="Consolas" panose="020B0609020204030204" pitchFamily="49" charset="0"/>
-              <a:cs typeface="Consolas" panose="020B0609020204030204" pitchFamily="49" charset="0"/>
-            </a:endParaRPr>
+              <a:rPr lang="en-US" sz="2000" dirty="0">
+                <a:latin typeface="Consolas" panose="020B0609020204030204" pitchFamily="49" charset="0"/>
+                <a:cs typeface="Consolas" panose="020B0609020204030204" pitchFamily="49" charset="0"/>
+              </a:rPr>
+              <a:t>spatial</a:t>
+            </a:r>
           </a:p>
         </p:txBody>
       </p:sp>
@@ -6258,7 +7283,3614 @@
     </p:spTree>
     <p:extLst>
       <p:ext uri="{BB962C8B-B14F-4D97-AF65-F5344CB8AC3E}">
+        <p14:creationId xmlns:p14="http://schemas.microsoft.com/office/powerpoint/2010/main" val="2530479487"/>
+      </p:ext>
+    </p:extLst>
+  </p:cSld>
+  <p:clrMapOvr>
+    <a:masterClrMapping/>
+  </p:clrMapOvr>
+  <p:transition>
+    <p:fade/>
+  </p:transition>
+</p:sld>
+</file>
+
+<file path=ppt/slides/slide6.xml><?xml version="1.0" encoding="utf-8"?>
+<p:sld xmlns:a="http://schemas.openxmlformats.org/drawingml/2006/main" xmlns:r="http://schemas.openxmlformats.org/officeDocument/2006/relationships" xmlns:p="http://schemas.openxmlformats.org/presentationml/2006/main">
+  <p:cSld>
+    <p:spTree>
+      <p:nvGrpSpPr>
+        <p:cNvPr id="1" name=""/>
+        <p:cNvGrpSpPr/>
+        <p:nvPr/>
+      </p:nvGrpSpPr>
+      <p:grpSpPr>
+        <a:xfrm>
+          <a:off x="0" y="0"/>
+          <a:ext cx="0" cy="0"/>
+          <a:chOff x="0" y="0"/>
+          <a:chExt cx="0" cy="0"/>
+        </a:xfrm>
+      </p:grpSpPr>
+      <p:sp>
+        <p:nvSpPr>
+          <p:cNvPr id="14338" name="Título 6"/>
+          <p:cNvSpPr>
+            <a:spLocks noGrp="1"/>
+          </p:cNvSpPr>
+          <p:nvPr>
+            <p:ph type="title"/>
+          </p:nvPr>
+        </p:nvSpPr>
+        <p:spPr>
+          <a:xfrm>
+            <a:off x="1258888" y="404813"/>
+            <a:ext cx="7427912" cy="720725"/>
+          </a:xfrm>
+        </p:spPr>
+        <p:txBody>
+          <a:bodyPr/>
+          <a:lstStyle/>
+          <a:p>
+            <a:pPr eaLnBrk="1" hangingPunct="1"/>
+            <a:r>
+              <a:rPr lang="pt-BR" altLang="x-none" dirty="0" err="1">
+                <a:latin typeface="Lato" charset="0"/>
+              </a:rPr>
+              <a:t>SciPy</a:t>
+            </a:r>
+            <a:endParaRPr lang="pt-BR" altLang="x-none" dirty="0">
+              <a:latin typeface="Lato" charset="0"/>
+            </a:endParaRPr>
+          </a:p>
+        </p:txBody>
+      </p:sp>
+      <p:sp>
+        <p:nvSpPr>
+          <p:cNvPr id="2" name="Date Placeholder 1"/>
+          <p:cNvSpPr>
+            <a:spLocks noGrp="1"/>
+          </p:cNvSpPr>
+          <p:nvPr>
+            <p:ph type="dt" sz="half" idx="10"/>
+          </p:nvPr>
+        </p:nvSpPr>
+        <p:spPr/>
+        <p:txBody>
+          <a:bodyPr/>
+          <a:lstStyle/>
+          <a:p>
+            <a:pPr>
+              <a:defRPr/>
+            </a:pPr>
+            <a:r>
+              <a:rPr lang="en-US"/>
+              <a:t>14/05/2019</a:t>
+            </a:r>
+            <a:endParaRPr lang="pt-BR" dirty="0"/>
+          </a:p>
+        </p:txBody>
+      </p:sp>
+      <p:sp>
+        <p:nvSpPr>
+          <p:cNvPr id="3" name="Footer Placeholder 2"/>
+          <p:cNvSpPr>
+            <a:spLocks noGrp="1"/>
+          </p:cNvSpPr>
+          <p:nvPr>
+            <p:ph type="ftr" sz="quarter" idx="11"/>
+          </p:nvPr>
+        </p:nvSpPr>
+        <p:spPr/>
+        <p:txBody>
+          <a:bodyPr/>
+          <a:lstStyle/>
+          <a:p>
+            <a:pPr>
+              <a:defRPr/>
+            </a:pPr>
+            <a:r>
+              <a:rPr lang="pt-BR"/>
+              <a:t>PTS2019 - Data Analysis and Visualization I</a:t>
+            </a:r>
+            <a:endParaRPr lang="pt-BR" dirty="0"/>
+          </a:p>
+        </p:txBody>
+      </p:sp>
+      <p:sp>
+        <p:nvSpPr>
+          <p:cNvPr id="4" name="Slide Number Placeholder 3">
+            <a:extLst>
+              <a:ext uri="{FF2B5EF4-FFF2-40B4-BE49-F238E27FC236}">
+                <a16:creationId xmlns:a16="http://schemas.microsoft.com/office/drawing/2014/main" id="{4E44FF9B-96D5-6844-86ED-F56F6997914D}"/>
+              </a:ext>
+            </a:extLst>
+          </p:cNvPr>
+          <p:cNvSpPr>
+            <a:spLocks noGrp="1"/>
+          </p:cNvSpPr>
+          <p:nvPr>
+            <p:ph type="sldNum" sz="quarter" idx="12"/>
+          </p:nvPr>
+        </p:nvSpPr>
+        <p:spPr/>
+        <p:txBody>
+          <a:bodyPr/>
+          <a:lstStyle/>
+          <a:p>
+            <a:fld id="{0ACDAA0B-38DC-8943-9C5D-D77398DF067C}" type="slidenum">
+              <a:rPr lang="pt-BR" altLang="x-none" smtClean="0"/>
+              <a:pPr/>
+              <a:t>6</a:t>
+            </a:fld>
+            <a:endParaRPr lang="pt-BR" altLang="x-none" dirty="0"/>
+          </a:p>
+        </p:txBody>
+      </p:sp>
+      <p:pic>
+        <p:nvPicPr>
+          <p:cNvPr id="6" name="Picture 5">
+            <a:extLst>
+              <a:ext uri="{FF2B5EF4-FFF2-40B4-BE49-F238E27FC236}">
+                <a16:creationId xmlns:a16="http://schemas.microsoft.com/office/drawing/2014/main" id="{EFAD7D96-42A6-6541-B6DA-89170363F712}"/>
+              </a:ext>
+            </a:extLst>
+          </p:cNvPr>
+          <p:cNvPicPr>
+            <a:picLocks noChangeAspect="1"/>
+          </p:cNvPicPr>
+          <p:nvPr/>
+        </p:nvPicPr>
+        <p:blipFill>
+          <a:blip r:embed="rId3"/>
+          <a:stretch>
+            <a:fillRect/>
+          </a:stretch>
+        </p:blipFill>
+        <p:spPr>
+          <a:xfrm>
+            <a:off x="3881246" y="260648"/>
+            <a:ext cx="1473200" cy="1320800"/>
+          </a:xfrm>
+          <a:prstGeom prst="rect">
+            <a:avLst/>
+          </a:prstGeom>
+          <a:effectLst/>
+        </p:spPr>
+      </p:pic>
+      <p:sp>
+        <p:nvSpPr>
+          <p:cNvPr id="7" name="TextBox 6">
+            <a:extLst>
+              <a:ext uri="{FF2B5EF4-FFF2-40B4-BE49-F238E27FC236}">
+                <a16:creationId xmlns:a16="http://schemas.microsoft.com/office/drawing/2014/main" id="{C59FF2FA-6C2C-4B42-A53F-3172D04FBB6C}"/>
+              </a:ext>
+            </a:extLst>
+          </p:cNvPr>
+          <p:cNvSpPr txBox="1"/>
+          <p:nvPr/>
+        </p:nvSpPr>
+        <p:spPr>
+          <a:xfrm>
+            <a:off x="184759" y="1844314"/>
+            <a:ext cx="1350965" cy="453183"/>
+          </a:xfrm>
+          <a:prstGeom prst="rect">
+            <a:avLst/>
+          </a:prstGeom>
+          <a:solidFill>
+            <a:schemeClr val="bg1">
+              <a:lumMod val="95000"/>
+            </a:schemeClr>
+          </a:solidFill>
+          <a:ln>
+            <a:solidFill>
+              <a:schemeClr val="accent1"/>
+            </a:solidFill>
+          </a:ln>
+        </p:spPr>
+        <p:txBody>
+          <a:bodyPr wrap="none" lIns="180000" tIns="72000" rIns="180000" bIns="72000" rtlCol="0">
+            <a:spAutoFit/>
+          </a:bodyPr>
+          <a:lstStyle/>
+          <a:p>
+            <a:r>
+              <a:rPr lang="en-US" sz="2000" dirty="0">
+                <a:latin typeface="Consolas" panose="020B0609020204030204" pitchFamily="49" charset="0"/>
+                <a:cs typeface="Consolas" panose="020B0609020204030204" pitchFamily="49" charset="0"/>
+              </a:rPr>
+              <a:t>cluster</a:t>
+            </a:r>
+          </a:p>
+        </p:txBody>
+      </p:sp>
+      <p:sp>
+        <p:nvSpPr>
+          <p:cNvPr id="9" name="TextBox 8">
+            <a:extLst>
+              <a:ext uri="{FF2B5EF4-FFF2-40B4-BE49-F238E27FC236}">
+                <a16:creationId xmlns:a16="http://schemas.microsoft.com/office/drawing/2014/main" id="{C0DEF60B-FF23-EE4E-9A36-F9FBFF26D790}"/>
+              </a:ext>
+            </a:extLst>
+          </p:cNvPr>
+          <p:cNvSpPr txBox="1"/>
+          <p:nvPr/>
+        </p:nvSpPr>
+        <p:spPr>
+          <a:xfrm>
+            <a:off x="490634" y="2504653"/>
+            <a:ext cx="1633094" cy="453183"/>
+          </a:xfrm>
+          <a:prstGeom prst="rect">
+            <a:avLst/>
+          </a:prstGeom>
+          <a:solidFill>
+            <a:schemeClr val="bg1">
+              <a:lumMod val="95000"/>
+            </a:schemeClr>
+          </a:solidFill>
+          <a:ln>
+            <a:solidFill>
+              <a:schemeClr val="accent1"/>
+            </a:solidFill>
+          </a:ln>
+        </p:spPr>
+        <p:txBody>
+          <a:bodyPr wrap="none" lIns="180000" tIns="72000" rIns="180000" bIns="72000" rtlCol="0">
+            <a:spAutoFit/>
+          </a:bodyPr>
+          <a:lstStyle/>
+          <a:p>
+            <a:r>
+              <a:rPr lang="en-US" sz="2000" dirty="0">
+                <a:latin typeface="Consolas" panose="020B0609020204030204" pitchFamily="49" charset="0"/>
+                <a:cs typeface="Consolas" panose="020B0609020204030204" pitchFamily="49" charset="0"/>
+              </a:rPr>
+              <a:t>constants</a:t>
+            </a:r>
+          </a:p>
+        </p:txBody>
+      </p:sp>
+      <p:sp>
+        <p:nvSpPr>
+          <p:cNvPr id="10" name="TextBox 9">
+            <a:extLst>
+              <a:ext uri="{FF2B5EF4-FFF2-40B4-BE49-F238E27FC236}">
+                <a16:creationId xmlns:a16="http://schemas.microsoft.com/office/drawing/2014/main" id="{7BE5C3D7-89F6-CE46-863E-944F0F2015BD}"/>
+              </a:ext>
+            </a:extLst>
+          </p:cNvPr>
+          <p:cNvSpPr txBox="1"/>
+          <p:nvPr/>
+        </p:nvSpPr>
+        <p:spPr>
+          <a:xfrm>
+            <a:off x="251520" y="3105390"/>
+            <a:ext cx="1350965" cy="453183"/>
+          </a:xfrm>
+          <a:prstGeom prst="rect">
+            <a:avLst/>
+          </a:prstGeom>
+          <a:solidFill>
+            <a:schemeClr val="bg1">
+              <a:lumMod val="95000"/>
+            </a:schemeClr>
+          </a:solidFill>
+          <a:ln>
+            <a:solidFill>
+              <a:schemeClr val="accent1"/>
+            </a:solidFill>
+          </a:ln>
+        </p:spPr>
+        <p:txBody>
+          <a:bodyPr wrap="none" lIns="180000" tIns="72000" rIns="180000" bIns="72000" rtlCol="0">
+            <a:spAutoFit/>
+          </a:bodyPr>
+          <a:lstStyle/>
+          <a:p>
+            <a:r>
+              <a:rPr lang="en-US" sz="2000" dirty="0" err="1">
+                <a:latin typeface="Consolas" panose="020B0609020204030204" pitchFamily="49" charset="0"/>
+                <a:cs typeface="Consolas" panose="020B0609020204030204" pitchFamily="49" charset="0"/>
+              </a:rPr>
+              <a:t>fftpack</a:t>
+            </a:r>
+            <a:endParaRPr lang="en-US" sz="2000" dirty="0">
+              <a:latin typeface="Consolas" panose="020B0609020204030204" pitchFamily="49" charset="0"/>
+              <a:cs typeface="Consolas" panose="020B0609020204030204" pitchFamily="49" charset="0"/>
+            </a:endParaRPr>
+          </a:p>
+        </p:txBody>
+      </p:sp>
+      <p:sp>
+        <p:nvSpPr>
+          <p:cNvPr id="11" name="TextBox 10">
+            <a:extLst>
+              <a:ext uri="{FF2B5EF4-FFF2-40B4-BE49-F238E27FC236}">
+                <a16:creationId xmlns:a16="http://schemas.microsoft.com/office/drawing/2014/main" id="{978F14FE-4923-D24F-B8C1-347C3CB78DB7}"/>
+              </a:ext>
+            </a:extLst>
+          </p:cNvPr>
+          <p:cNvSpPr txBox="1"/>
+          <p:nvPr/>
+        </p:nvSpPr>
+        <p:spPr>
+          <a:xfrm>
+            <a:off x="490634" y="3730621"/>
+            <a:ext cx="1633094" cy="453183"/>
+          </a:xfrm>
+          <a:prstGeom prst="rect">
+            <a:avLst/>
+          </a:prstGeom>
+          <a:solidFill>
+            <a:schemeClr val="bg1">
+              <a:lumMod val="95000"/>
+            </a:schemeClr>
+          </a:solidFill>
+          <a:ln>
+            <a:solidFill>
+              <a:schemeClr val="accent1"/>
+            </a:solidFill>
+          </a:ln>
+        </p:spPr>
+        <p:txBody>
+          <a:bodyPr wrap="none" lIns="180000" tIns="72000" rIns="180000" bIns="72000" rtlCol="0">
+            <a:spAutoFit/>
+          </a:bodyPr>
+          <a:lstStyle/>
+          <a:p>
+            <a:r>
+              <a:rPr lang="en-US" sz="2000" dirty="0">
+                <a:latin typeface="Consolas" panose="020B0609020204030204" pitchFamily="49" charset="0"/>
+                <a:cs typeface="Consolas" panose="020B0609020204030204" pitchFamily="49" charset="0"/>
+              </a:rPr>
+              <a:t>integrate</a:t>
+            </a:r>
+          </a:p>
+        </p:txBody>
+      </p:sp>
+      <p:sp>
+        <p:nvSpPr>
+          <p:cNvPr id="12" name="TextBox 11">
+            <a:extLst>
+              <a:ext uri="{FF2B5EF4-FFF2-40B4-BE49-F238E27FC236}">
+                <a16:creationId xmlns:a16="http://schemas.microsoft.com/office/drawing/2014/main" id="{463DE438-B055-044F-B0EB-57C6912DD0AA}"/>
+              </a:ext>
+            </a:extLst>
+          </p:cNvPr>
+          <p:cNvSpPr txBox="1"/>
+          <p:nvPr/>
+        </p:nvSpPr>
+        <p:spPr>
+          <a:xfrm>
+            <a:off x="154920" y="4346806"/>
+            <a:ext cx="1915222" cy="453183"/>
+          </a:xfrm>
+          <a:prstGeom prst="rect">
+            <a:avLst/>
+          </a:prstGeom>
+          <a:solidFill>
+            <a:schemeClr val="bg1">
+              <a:lumMod val="95000"/>
+            </a:schemeClr>
+          </a:solidFill>
+          <a:ln>
+            <a:solidFill>
+              <a:schemeClr val="accent1"/>
+            </a:solidFill>
+          </a:ln>
+        </p:spPr>
+        <p:txBody>
+          <a:bodyPr wrap="none" lIns="180000" tIns="72000" rIns="180000" bIns="72000" rtlCol="0">
+            <a:spAutoFit/>
+          </a:bodyPr>
+          <a:lstStyle/>
+          <a:p>
+            <a:r>
+              <a:rPr lang="en-US" sz="2000" dirty="0">
+                <a:latin typeface="Consolas" panose="020B0609020204030204" pitchFamily="49" charset="0"/>
+                <a:cs typeface="Consolas" panose="020B0609020204030204" pitchFamily="49" charset="0"/>
+              </a:rPr>
+              <a:t>interpolate</a:t>
+            </a:r>
+          </a:p>
+        </p:txBody>
+      </p:sp>
+      <p:sp>
+        <p:nvSpPr>
+          <p:cNvPr id="13" name="TextBox 12">
+            <a:extLst>
+              <a:ext uri="{FF2B5EF4-FFF2-40B4-BE49-F238E27FC236}">
+                <a16:creationId xmlns:a16="http://schemas.microsoft.com/office/drawing/2014/main" id="{378039D3-5D30-C642-8BBE-6605FE389262}"/>
+              </a:ext>
+            </a:extLst>
+          </p:cNvPr>
+          <p:cNvSpPr txBox="1"/>
+          <p:nvPr/>
+        </p:nvSpPr>
+        <p:spPr>
+          <a:xfrm>
+            <a:off x="613988" y="4955611"/>
+            <a:ext cx="645644" cy="453183"/>
+          </a:xfrm>
+          <a:prstGeom prst="rect">
+            <a:avLst/>
+          </a:prstGeom>
+          <a:solidFill>
+            <a:schemeClr val="bg1">
+              <a:lumMod val="95000"/>
+            </a:schemeClr>
+          </a:solidFill>
+          <a:ln>
+            <a:solidFill>
+              <a:schemeClr val="accent1"/>
+            </a:solidFill>
+          </a:ln>
+        </p:spPr>
+        <p:txBody>
+          <a:bodyPr wrap="none" lIns="180000" tIns="72000" rIns="180000" bIns="72000" rtlCol="0">
+            <a:spAutoFit/>
+          </a:bodyPr>
+          <a:lstStyle/>
+          <a:p>
+            <a:r>
+              <a:rPr lang="en-US" sz="2000" dirty="0" err="1">
+                <a:latin typeface="Consolas" panose="020B0609020204030204" pitchFamily="49" charset="0"/>
+                <a:cs typeface="Consolas" panose="020B0609020204030204" pitchFamily="49" charset="0"/>
+              </a:rPr>
+              <a:t>io</a:t>
+            </a:r>
+            <a:endParaRPr lang="en-US" sz="2000" dirty="0">
+              <a:latin typeface="Consolas" panose="020B0609020204030204" pitchFamily="49" charset="0"/>
+              <a:cs typeface="Consolas" panose="020B0609020204030204" pitchFamily="49" charset="0"/>
+            </a:endParaRPr>
+          </a:p>
+        </p:txBody>
+      </p:sp>
+      <p:sp>
+        <p:nvSpPr>
+          <p:cNvPr id="14" name="TextBox 13">
+            <a:extLst>
+              <a:ext uri="{FF2B5EF4-FFF2-40B4-BE49-F238E27FC236}">
+                <a16:creationId xmlns:a16="http://schemas.microsoft.com/office/drawing/2014/main" id="{A5F0C449-2CE1-5046-BC0E-5B8A82340CAA}"/>
+              </a:ext>
+            </a:extLst>
+          </p:cNvPr>
+          <p:cNvSpPr txBox="1"/>
+          <p:nvPr/>
+        </p:nvSpPr>
+        <p:spPr>
+          <a:xfrm>
+            <a:off x="392584" y="5607882"/>
+            <a:ext cx="1209901" cy="453183"/>
+          </a:xfrm>
+          <a:prstGeom prst="rect">
+            <a:avLst/>
+          </a:prstGeom>
+          <a:solidFill>
+            <a:schemeClr val="bg1">
+              <a:lumMod val="95000"/>
+            </a:schemeClr>
+          </a:solidFill>
+          <a:ln>
+            <a:solidFill>
+              <a:schemeClr val="accent1"/>
+            </a:solidFill>
+          </a:ln>
+        </p:spPr>
+        <p:txBody>
+          <a:bodyPr wrap="none" lIns="180000" tIns="72000" rIns="180000" bIns="72000" rtlCol="0">
+            <a:spAutoFit/>
+          </a:bodyPr>
+          <a:lstStyle/>
+          <a:p>
+            <a:r>
+              <a:rPr lang="en-US" sz="2000" dirty="0" err="1">
+                <a:latin typeface="Consolas" panose="020B0609020204030204" pitchFamily="49" charset="0"/>
+                <a:cs typeface="Consolas" panose="020B0609020204030204" pitchFamily="49" charset="0"/>
+              </a:rPr>
+              <a:t>linalg</a:t>
+            </a:r>
+            <a:endParaRPr lang="en-US" sz="2000" dirty="0">
+              <a:latin typeface="Consolas" panose="020B0609020204030204" pitchFamily="49" charset="0"/>
+              <a:cs typeface="Consolas" panose="020B0609020204030204" pitchFamily="49" charset="0"/>
+            </a:endParaRPr>
+          </a:p>
+        </p:txBody>
+      </p:sp>
+      <p:sp>
+        <p:nvSpPr>
+          <p:cNvPr id="15" name="TextBox 14">
+            <a:extLst>
+              <a:ext uri="{FF2B5EF4-FFF2-40B4-BE49-F238E27FC236}">
+                <a16:creationId xmlns:a16="http://schemas.microsoft.com/office/drawing/2014/main" id="{ACB018F2-6753-094B-84D8-5DE0275EEE88}"/>
+              </a:ext>
+            </a:extLst>
+          </p:cNvPr>
+          <p:cNvSpPr txBox="1"/>
+          <p:nvPr/>
+        </p:nvSpPr>
+        <p:spPr>
+          <a:xfrm>
+            <a:off x="7179656" y="2505631"/>
+            <a:ext cx="1350965" cy="453183"/>
+          </a:xfrm>
+          <a:prstGeom prst="rect">
+            <a:avLst/>
+          </a:prstGeom>
+          <a:solidFill>
+            <a:schemeClr val="bg1">
+              <a:lumMod val="95000"/>
+            </a:schemeClr>
+          </a:solidFill>
+          <a:ln>
+            <a:solidFill>
+              <a:schemeClr val="accent1"/>
+            </a:solidFill>
+          </a:ln>
+        </p:spPr>
+        <p:txBody>
+          <a:bodyPr wrap="none" lIns="180000" tIns="72000" rIns="180000" bIns="72000" rtlCol="0">
+            <a:spAutoFit/>
+          </a:bodyPr>
+          <a:lstStyle/>
+          <a:p>
+            <a:r>
+              <a:rPr lang="en-US" sz="2000" dirty="0" err="1">
+                <a:latin typeface="Consolas" panose="020B0609020204030204" pitchFamily="49" charset="0"/>
+                <a:cs typeface="Consolas" panose="020B0609020204030204" pitchFamily="49" charset="0"/>
+              </a:rPr>
+              <a:t>ndimage</a:t>
+            </a:r>
+            <a:endParaRPr lang="en-US" sz="2000" dirty="0">
+              <a:latin typeface="Consolas" panose="020B0609020204030204" pitchFamily="49" charset="0"/>
+              <a:cs typeface="Consolas" panose="020B0609020204030204" pitchFamily="49" charset="0"/>
+            </a:endParaRPr>
+          </a:p>
+        </p:txBody>
+      </p:sp>
+      <p:sp>
+        <p:nvSpPr>
+          <p:cNvPr id="16" name="TextBox 15">
+            <a:extLst>
+              <a:ext uri="{FF2B5EF4-FFF2-40B4-BE49-F238E27FC236}">
+                <a16:creationId xmlns:a16="http://schemas.microsoft.com/office/drawing/2014/main" id="{2F13EA70-4089-6F44-981A-F61DAF26E952}"/>
+              </a:ext>
+            </a:extLst>
+          </p:cNvPr>
+          <p:cNvSpPr txBox="1"/>
+          <p:nvPr/>
+        </p:nvSpPr>
+        <p:spPr>
+          <a:xfrm>
+            <a:off x="1471408" y="4955610"/>
+            <a:ext cx="786708" cy="453183"/>
+          </a:xfrm>
+          <a:prstGeom prst="rect">
+            <a:avLst/>
+          </a:prstGeom>
+          <a:solidFill>
+            <a:schemeClr val="bg1">
+              <a:lumMod val="95000"/>
+            </a:schemeClr>
+          </a:solidFill>
+          <a:ln>
+            <a:solidFill>
+              <a:schemeClr val="accent1"/>
+            </a:solidFill>
+          </a:ln>
+        </p:spPr>
+        <p:txBody>
+          <a:bodyPr wrap="none" lIns="180000" tIns="72000" rIns="180000" bIns="72000" rtlCol="0">
+            <a:spAutoFit/>
+          </a:bodyPr>
+          <a:lstStyle/>
+          <a:p>
+            <a:r>
+              <a:rPr lang="en-US" sz="2000" dirty="0" err="1">
+                <a:latin typeface="Consolas" panose="020B0609020204030204" pitchFamily="49" charset="0"/>
+                <a:cs typeface="Consolas" panose="020B0609020204030204" pitchFamily="49" charset="0"/>
+              </a:rPr>
+              <a:t>odr</a:t>
+            </a:r>
+            <a:endParaRPr lang="en-US" sz="2000" dirty="0">
+              <a:latin typeface="Consolas" panose="020B0609020204030204" pitchFamily="49" charset="0"/>
+              <a:cs typeface="Consolas" panose="020B0609020204030204" pitchFamily="49" charset="0"/>
+            </a:endParaRPr>
+          </a:p>
+        </p:txBody>
+      </p:sp>
+      <p:sp>
+        <p:nvSpPr>
+          <p:cNvPr id="17" name="TextBox 16">
+            <a:extLst>
+              <a:ext uri="{FF2B5EF4-FFF2-40B4-BE49-F238E27FC236}">
+                <a16:creationId xmlns:a16="http://schemas.microsoft.com/office/drawing/2014/main" id="{D1A050F9-D5E8-C24E-B623-35EDD5025310}"/>
+              </a:ext>
+            </a:extLst>
+          </p:cNvPr>
+          <p:cNvSpPr txBox="1"/>
+          <p:nvPr/>
+        </p:nvSpPr>
+        <p:spPr>
+          <a:xfrm>
+            <a:off x="7527279" y="1893136"/>
+            <a:ext cx="1492030" cy="453183"/>
+          </a:xfrm>
+          <a:prstGeom prst="rect">
+            <a:avLst/>
+          </a:prstGeom>
+          <a:solidFill>
+            <a:schemeClr val="bg1">
+              <a:lumMod val="95000"/>
+            </a:schemeClr>
+          </a:solidFill>
+          <a:ln>
+            <a:solidFill>
+              <a:schemeClr val="accent1"/>
+            </a:solidFill>
+          </a:ln>
+        </p:spPr>
+        <p:txBody>
+          <a:bodyPr wrap="none" lIns="180000" tIns="72000" rIns="180000" bIns="72000" rtlCol="0">
+            <a:spAutoFit/>
+          </a:bodyPr>
+          <a:lstStyle/>
+          <a:p>
+            <a:r>
+              <a:rPr lang="en-US" sz="2000" dirty="0">
+                <a:latin typeface="Consolas" panose="020B0609020204030204" pitchFamily="49" charset="0"/>
+                <a:cs typeface="Consolas" panose="020B0609020204030204" pitchFamily="49" charset="0"/>
+              </a:rPr>
+              <a:t>optimize</a:t>
+            </a:r>
+          </a:p>
+        </p:txBody>
+      </p:sp>
+      <p:sp>
+        <p:nvSpPr>
+          <p:cNvPr id="18" name="TextBox 17">
+            <a:extLst>
+              <a:ext uri="{FF2B5EF4-FFF2-40B4-BE49-F238E27FC236}">
+                <a16:creationId xmlns:a16="http://schemas.microsoft.com/office/drawing/2014/main" id="{BEAA478B-6588-8147-8C33-0B136222CD24}"/>
+              </a:ext>
+            </a:extLst>
+          </p:cNvPr>
+          <p:cNvSpPr txBox="1"/>
+          <p:nvPr/>
+        </p:nvSpPr>
+        <p:spPr>
+          <a:xfrm>
+            <a:off x="7738875" y="3118126"/>
+            <a:ext cx="1209901" cy="453183"/>
+          </a:xfrm>
+          <a:prstGeom prst="rect">
+            <a:avLst/>
+          </a:prstGeom>
+          <a:solidFill>
+            <a:schemeClr val="bg1">
+              <a:lumMod val="95000"/>
+            </a:schemeClr>
+          </a:solidFill>
+          <a:ln>
+            <a:solidFill>
+              <a:schemeClr val="accent1"/>
+            </a:solidFill>
+          </a:ln>
+        </p:spPr>
+        <p:txBody>
+          <a:bodyPr wrap="none" lIns="180000" tIns="72000" rIns="180000" bIns="72000" rtlCol="0">
+            <a:spAutoFit/>
+          </a:bodyPr>
+          <a:lstStyle/>
+          <a:p>
+            <a:r>
+              <a:rPr lang="en-US" sz="2000" dirty="0">
+                <a:latin typeface="Consolas" panose="020B0609020204030204" pitchFamily="49" charset="0"/>
+                <a:cs typeface="Consolas" panose="020B0609020204030204" pitchFamily="49" charset="0"/>
+              </a:rPr>
+              <a:t>signal</a:t>
+            </a:r>
+          </a:p>
+        </p:txBody>
+      </p:sp>
+      <p:sp>
+        <p:nvSpPr>
+          <p:cNvPr id="19" name="TextBox 18">
+            <a:extLst>
+              <a:ext uri="{FF2B5EF4-FFF2-40B4-BE49-F238E27FC236}">
+                <a16:creationId xmlns:a16="http://schemas.microsoft.com/office/drawing/2014/main" id="{71B6DB9A-36FA-A54F-B6B4-BB99151776E9}"/>
+              </a:ext>
+            </a:extLst>
+          </p:cNvPr>
+          <p:cNvSpPr txBox="1"/>
+          <p:nvPr/>
+        </p:nvSpPr>
+        <p:spPr>
+          <a:xfrm>
+            <a:off x="7225728" y="3730621"/>
+            <a:ext cx="1209901" cy="453183"/>
+          </a:xfrm>
+          <a:prstGeom prst="rect">
+            <a:avLst/>
+          </a:prstGeom>
+          <a:solidFill>
+            <a:schemeClr val="bg1">
+              <a:lumMod val="95000"/>
+            </a:schemeClr>
+          </a:solidFill>
+          <a:ln>
+            <a:solidFill>
+              <a:schemeClr val="accent1"/>
+            </a:solidFill>
+          </a:ln>
+        </p:spPr>
+        <p:txBody>
+          <a:bodyPr wrap="none" lIns="180000" tIns="72000" rIns="180000" bIns="72000" rtlCol="0">
+            <a:spAutoFit/>
+          </a:bodyPr>
+          <a:lstStyle/>
+          <a:p>
+            <a:r>
+              <a:rPr lang="en-US" sz="2000" dirty="0">
+                <a:latin typeface="Consolas" panose="020B0609020204030204" pitchFamily="49" charset="0"/>
+                <a:cs typeface="Consolas" panose="020B0609020204030204" pitchFamily="49" charset="0"/>
+              </a:rPr>
+              <a:t>sparse</a:t>
+            </a:r>
+          </a:p>
+        </p:txBody>
+      </p:sp>
+      <p:sp>
+        <p:nvSpPr>
+          <p:cNvPr id="20" name="TextBox 19">
+            <a:extLst>
+              <a:ext uri="{FF2B5EF4-FFF2-40B4-BE49-F238E27FC236}">
+                <a16:creationId xmlns:a16="http://schemas.microsoft.com/office/drawing/2014/main" id="{2CD1F01B-E956-6F4D-8374-48BB4CED48F4}"/>
+              </a:ext>
+            </a:extLst>
+          </p:cNvPr>
+          <p:cNvSpPr txBox="1"/>
+          <p:nvPr/>
+        </p:nvSpPr>
+        <p:spPr>
+          <a:xfrm>
+            <a:off x="7668344" y="4343116"/>
+            <a:ext cx="1350965" cy="453183"/>
+          </a:xfrm>
+          <a:prstGeom prst="rect">
+            <a:avLst/>
+          </a:prstGeom>
+          <a:solidFill>
+            <a:schemeClr val="bg1">
+              <a:lumMod val="95000"/>
+            </a:schemeClr>
+          </a:solidFill>
+          <a:ln>
+            <a:solidFill>
+              <a:schemeClr val="accent1"/>
+            </a:solidFill>
+          </a:ln>
+        </p:spPr>
+        <p:txBody>
+          <a:bodyPr wrap="none" lIns="180000" tIns="72000" rIns="180000" bIns="72000" rtlCol="0">
+            <a:spAutoFit/>
+          </a:bodyPr>
+          <a:lstStyle/>
+          <a:p>
+            <a:r>
+              <a:rPr lang="en-US" sz="2000" dirty="0">
+                <a:latin typeface="Consolas" panose="020B0609020204030204" pitchFamily="49" charset="0"/>
+                <a:cs typeface="Consolas" panose="020B0609020204030204" pitchFamily="49" charset="0"/>
+              </a:rPr>
+              <a:t>spatial</a:t>
+            </a:r>
+          </a:p>
+        </p:txBody>
+      </p:sp>
+      <p:sp>
+        <p:nvSpPr>
+          <p:cNvPr id="21" name="TextBox 20">
+            <a:extLst>
+              <a:ext uri="{FF2B5EF4-FFF2-40B4-BE49-F238E27FC236}">
+                <a16:creationId xmlns:a16="http://schemas.microsoft.com/office/drawing/2014/main" id="{D18EE63F-1C70-DB45-978A-7E1D426EFD96}"/>
+              </a:ext>
+            </a:extLst>
+          </p:cNvPr>
+          <p:cNvSpPr txBox="1"/>
+          <p:nvPr/>
+        </p:nvSpPr>
+        <p:spPr>
+          <a:xfrm>
+            <a:off x="7155195" y="4955611"/>
+            <a:ext cx="1350965" cy="453183"/>
+          </a:xfrm>
+          <a:prstGeom prst="rect">
+            <a:avLst/>
+          </a:prstGeom>
+          <a:solidFill>
+            <a:schemeClr val="bg1">
+              <a:lumMod val="95000"/>
+            </a:schemeClr>
+          </a:solidFill>
+          <a:ln>
+            <a:solidFill>
+              <a:schemeClr val="accent1"/>
+            </a:solidFill>
+          </a:ln>
+        </p:spPr>
+        <p:txBody>
+          <a:bodyPr wrap="none" lIns="180000" tIns="72000" rIns="180000" bIns="72000" rtlCol="0">
+            <a:spAutoFit/>
+          </a:bodyPr>
+          <a:lstStyle/>
+          <a:p>
+            <a:r>
+              <a:rPr lang="en-US" sz="2000" dirty="0">
+                <a:latin typeface="Consolas" panose="020B0609020204030204" pitchFamily="49" charset="0"/>
+                <a:cs typeface="Consolas" panose="020B0609020204030204" pitchFamily="49" charset="0"/>
+              </a:rPr>
+              <a:t>special</a:t>
+            </a:r>
+          </a:p>
+        </p:txBody>
+      </p:sp>
+      <p:sp>
+        <p:nvSpPr>
+          <p:cNvPr id="22" name="TextBox 21">
+            <a:extLst>
+              <a:ext uri="{FF2B5EF4-FFF2-40B4-BE49-F238E27FC236}">
+                <a16:creationId xmlns:a16="http://schemas.microsoft.com/office/drawing/2014/main" id="{02A1B152-8392-A240-BF43-19B3DE564806}"/>
+              </a:ext>
+            </a:extLst>
+          </p:cNvPr>
+          <p:cNvSpPr txBox="1"/>
+          <p:nvPr/>
+        </p:nvSpPr>
+        <p:spPr>
+          <a:xfrm>
+            <a:off x="7668344" y="5568105"/>
+            <a:ext cx="1068837" cy="453183"/>
+          </a:xfrm>
+          <a:prstGeom prst="rect">
+            <a:avLst/>
+          </a:prstGeom>
+          <a:solidFill>
+            <a:schemeClr val="bg1">
+              <a:lumMod val="95000"/>
+            </a:schemeClr>
+          </a:solidFill>
+          <a:ln>
+            <a:solidFill>
+              <a:schemeClr val="accent1"/>
+            </a:solidFill>
+          </a:ln>
+        </p:spPr>
+        <p:txBody>
+          <a:bodyPr wrap="none" lIns="180000" tIns="72000" rIns="180000" bIns="72000" rtlCol="0">
+            <a:spAutoFit/>
+          </a:bodyPr>
+          <a:lstStyle/>
+          <a:p>
+            <a:r>
+              <a:rPr lang="en-US" sz="2000" dirty="0">
+                <a:latin typeface="Consolas" panose="020B0609020204030204" pitchFamily="49" charset="0"/>
+                <a:cs typeface="Consolas" panose="020B0609020204030204" pitchFamily="49" charset="0"/>
+              </a:rPr>
+              <a:t>stats</a:t>
+            </a:r>
+          </a:p>
+        </p:txBody>
+      </p:sp>
+      <p:sp>
+        <p:nvSpPr>
+          <p:cNvPr id="5" name="Rectangle 4">
+            <a:extLst>
+              <a:ext uri="{FF2B5EF4-FFF2-40B4-BE49-F238E27FC236}">
+                <a16:creationId xmlns:a16="http://schemas.microsoft.com/office/drawing/2014/main" id="{EB167C95-1485-A448-AE1A-5C359E8BD2AA}"/>
+              </a:ext>
+            </a:extLst>
+          </p:cNvPr>
+          <p:cNvSpPr/>
+          <p:nvPr/>
+        </p:nvSpPr>
+        <p:spPr>
+          <a:xfrm>
+            <a:off x="6975475" y="1701602"/>
+            <a:ext cx="2101105" cy="4463701"/>
+          </a:xfrm>
+          <a:prstGeom prst="rect">
+            <a:avLst/>
+          </a:prstGeom>
+          <a:solidFill>
+            <a:schemeClr val="bg1">
+              <a:alpha val="82000"/>
+            </a:schemeClr>
+          </a:solidFill>
+          <a:ln>
+            <a:noFill/>
+          </a:ln>
+        </p:spPr>
+        <p:style>
+          <a:lnRef idx="2">
+            <a:schemeClr val="accent1">
+              <a:shade val="50000"/>
+            </a:schemeClr>
+          </a:lnRef>
+          <a:fillRef idx="1">
+            <a:schemeClr val="accent1"/>
+          </a:fillRef>
+          <a:effectRef idx="0">
+            <a:schemeClr val="accent1"/>
+          </a:effectRef>
+          <a:fontRef idx="minor">
+            <a:schemeClr val="lt1"/>
+          </a:fontRef>
+        </p:style>
+        <p:txBody>
+          <a:bodyPr rtlCol="0" anchor="ctr"/>
+          <a:lstStyle/>
+          <a:p>
+            <a:pPr algn="ctr"/>
+            <a:endParaRPr lang="en-US"/>
+          </a:p>
+        </p:txBody>
+      </p:sp>
+      <p:sp>
+        <p:nvSpPr>
+          <p:cNvPr id="23" name="Rectangle 22">
+            <a:extLst>
+              <a:ext uri="{FF2B5EF4-FFF2-40B4-BE49-F238E27FC236}">
+                <a16:creationId xmlns:a16="http://schemas.microsoft.com/office/drawing/2014/main" id="{183C9F6C-7CCC-364B-B502-D3580DC50BB3}"/>
+              </a:ext>
+            </a:extLst>
+          </p:cNvPr>
+          <p:cNvSpPr/>
+          <p:nvPr/>
+        </p:nvSpPr>
+        <p:spPr>
+          <a:xfrm>
+            <a:off x="151943" y="2432983"/>
+            <a:ext cx="2101105" cy="2522627"/>
+          </a:xfrm>
+          <a:prstGeom prst="rect">
+            <a:avLst/>
+          </a:prstGeom>
+          <a:solidFill>
+            <a:schemeClr val="bg1">
+              <a:alpha val="82000"/>
+            </a:schemeClr>
+          </a:solidFill>
+          <a:ln>
+            <a:noFill/>
+          </a:ln>
+        </p:spPr>
+        <p:style>
+          <a:lnRef idx="2">
+            <a:schemeClr val="accent1">
+              <a:shade val="50000"/>
+            </a:schemeClr>
+          </a:lnRef>
+          <a:fillRef idx="1">
+            <a:schemeClr val="accent1"/>
+          </a:fillRef>
+          <a:effectRef idx="0">
+            <a:schemeClr val="accent1"/>
+          </a:effectRef>
+          <a:fontRef idx="minor">
+            <a:schemeClr val="lt1"/>
+          </a:fontRef>
+        </p:style>
+        <p:txBody>
+          <a:bodyPr rtlCol="0" anchor="ctr"/>
+          <a:lstStyle/>
+          <a:p>
+            <a:pPr algn="ctr"/>
+            <a:endParaRPr lang="en-US"/>
+          </a:p>
+        </p:txBody>
+      </p:sp>
+      <p:sp>
+        <p:nvSpPr>
+          <p:cNvPr id="24" name="Rectangle 23">
+            <a:extLst>
+              <a:ext uri="{FF2B5EF4-FFF2-40B4-BE49-F238E27FC236}">
+                <a16:creationId xmlns:a16="http://schemas.microsoft.com/office/drawing/2014/main" id="{197A4C63-7F2C-8D42-A9C6-BAB02D53F3FF}"/>
+              </a:ext>
+            </a:extLst>
+          </p:cNvPr>
+          <p:cNvSpPr/>
+          <p:nvPr/>
+        </p:nvSpPr>
+        <p:spPr>
+          <a:xfrm>
+            <a:off x="-6671589" y="3164364"/>
+            <a:ext cx="2101105" cy="2522627"/>
+          </a:xfrm>
+          <a:prstGeom prst="rect">
+            <a:avLst/>
+          </a:prstGeom>
+          <a:solidFill>
+            <a:schemeClr val="bg1">
+              <a:alpha val="82000"/>
+            </a:schemeClr>
+          </a:solidFill>
+          <a:ln>
+            <a:noFill/>
+          </a:ln>
+        </p:spPr>
+        <p:style>
+          <a:lnRef idx="2">
+            <a:schemeClr val="accent1">
+              <a:shade val="50000"/>
+            </a:schemeClr>
+          </a:lnRef>
+          <a:fillRef idx="1">
+            <a:schemeClr val="accent1"/>
+          </a:fillRef>
+          <a:effectRef idx="0">
+            <a:schemeClr val="accent1"/>
+          </a:effectRef>
+          <a:fontRef idx="minor">
+            <a:schemeClr val="lt1"/>
+          </a:fontRef>
+        </p:style>
+        <p:txBody>
+          <a:bodyPr rtlCol="0" anchor="ctr"/>
+          <a:lstStyle/>
+          <a:p>
+            <a:pPr algn="ctr"/>
+            <a:endParaRPr lang="en-US"/>
+          </a:p>
+        </p:txBody>
+      </p:sp>
+      <p:sp>
+        <p:nvSpPr>
+          <p:cNvPr id="25" name="Rectangle 24">
+            <a:extLst>
+              <a:ext uri="{FF2B5EF4-FFF2-40B4-BE49-F238E27FC236}">
+                <a16:creationId xmlns:a16="http://schemas.microsoft.com/office/drawing/2014/main" id="{F195542F-2F29-0B4B-BC0A-0A2FE14422B1}"/>
+              </a:ext>
+            </a:extLst>
+          </p:cNvPr>
+          <p:cNvSpPr/>
+          <p:nvPr/>
+        </p:nvSpPr>
+        <p:spPr>
+          <a:xfrm>
+            <a:off x="366415" y="4903990"/>
+            <a:ext cx="2101105" cy="1193638"/>
+          </a:xfrm>
+          <a:prstGeom prst="rect">
+            <a:avLst/>
+          </a:prstGeom>
+          <a:solidFill>
+            <a:schemeClr val="bg1">
+              <a:alpha val="82000"/>
+            </a:schemeClr>
+          </a:solidFill>
+          <a:ln>
+            <a:noFill/>
+          </a:ln>
+        </p:spPr>
+        <p:style>
+          <a:lnRef idx="2">
+            <a:schemeClr val="accent1">
+              <a:shade val="50000"/>
+            </a:schemeClr>
+          </a:lnRef>
+          <a:fillRef idx="1">
+            <a:schemeClr val="accent1"/>
+          </a:fillRef>
+          <a:effectRef idx="0">
+            <a:schemeClr val="accent1"/>
+          </a:effectRef>
+          <a:fontRef idx="minor">
+            <a:schemeClr val="lt1"/>
+          </a:fontRef>
+        </p:style>
+        <p:txBody>
+          <a:bodyPr rtlCol="0" anchor="ctr"/>
+          <a:lstStyle/>
+          <a:p>
+            <a:pPr algn="ctr"/>
+            <a:endParaRPr lang="en-US"/>
+          </a:p>
+        </p:txBody>
+      </p:sp>
+      <p:pic>
+        <p:nvPicPr>
+          <p:cNvPr id="26" name="Picture 25">
+            <a:extLst>
+              <a:ext uri="{FF2B5EF4-FFF2-40B4-BE49-F238E27FC236}">
+                <a16:creationId xmlns:a16="http://schemas.microsoft.com/office/drawing/2014/main" id="{B9FFA31C-6BC7-1441-A299-3ACFE1CCC03B}"/>
+              </a:ext>
+            </a:extLst>
+          </p:cNvPr>
+          <p:cNvPicPr>
+            <a:picLocks noChangeAspect="1"/>
+          </p:cNvPicPr>
+          <p:nvPr/>
+        </p:nvPicPr>
+        <p:blipFill>
+          <a:blip r:embed="rId4"/>
+          <a:stretch>
+            <a:fillRect/>
+          </a:stretch>
+        </p:blipFill>
+        <p:spPr>
+          <a:xfrm>
+            <a:off x="2447129" y="1894838"/>
+            <a:ext cx="4300752" cy="3190346"/>
+          </a:xfrm>
+          <a:prstGeom prst="rect">
+            <a:avLst/>
+          </a:prstGeom>
+        </p:spPr>
+      </p:pic>
+    </p:spTree>
+    <p:extLst>
+      <p:ext uri="{BB962C8B-B14F-4D97-AF65-F5344CB8AC3E}">
         <p14:creationId xmlns:p14="http://schemas.microsoft.com/office/powerpoint/2010/main" val="2621063460"/>
+      </p:ext>
+    </p:extLst>
+  </p:cSld>
+  <p:clrMapOvr>
+    <a:masterClrMapping/>
+  </p:clrMapOvr>
+  <p:transition>
+    <p:fade/>
+  </p:transition>
+</p:sld>
+</file>
+
+<file path=ppt/slides/slide7.xml><?xml version="1.0" encoding="utf-8"?>
+<p:sld xmlns:a="http://schemas.openxmlformats.org/drawingml/2006/main" xmlns:r="http://schemas.openxmlformats.org/officeDocument/2006/relationships" xmlns:p="http://schemas.openxmlformats.org/presentationml/2006/main">
+  <p:cSld>
+    <p:spTree>
+      <p:nvGrpSpPr>
+        <p:cNvPr id="1" name=""/>
+        <p:cNvGrpSpPr/>
+        <p:nvPr/>
+      </p:nvGrpSpPr>
+      <p:grpSpPr>
+        <a:xfrm>
+          <a:off x="0" y="0"/>
+          <a:ext cx="0" cy="0"/>
+          <a:chOff x="0" y="0"/>
+          <a:chExt cx="0" cy="0"/>
+        </a:xfrm>
+      </p:grpSpPr>
+      <p:sp>
+        <p:nvSpPr>
+          <p:cNvPr id="14338" name="Título 6"/>
+          <p:cNvSpPr>
+            <a:spLocks noGrp="1"/>
+          </p:cNvSpPr>
+          <p:nvPr>
+            <p:ph type="title"/>
+          </p:nvPr>
+        </p:nvSpPr>
+        <p:spPr>
+          <a:xfrm>
+            <a:off x="1258888" y="404813"/>
+            <a:ext cx="7427912" cy="720725"/>
+          </a:xfrm>
+        </p:spPr>
+        <p:txBody>
+          <a:bodyPr/>
+          <a:lstStyle/>
+          <a:p>
+            <a:pPr eaLnBrk="1" hangingPunct="1"/>
+            <a:r>
+              <a:rPr lang="pt-BR" altLang="x-none" dirty="0" err="1">
+                <a:latin typeface="Lato" charset="0"/>
+              </a:rPr>
+              <a:t>SciPy</a:t>
+            </a:r>
+            <a:endParaRPr lang="pt-BR" altLang="x-none" dirty="0">
+              <a:latin typeface="Lato" charset="0"/>
+            </a:endParaRPr>
+          </a:p>
+        </p:txBody>
+      </p:sp>
+      <p:sp>
+        <p:nvSpPr>
+          <p:cNvPr id="2" name="Date Placeholder 1"/>
+          <p:cNvSpPr>
+            <a:spLocks noGrp="1"/>
+          </p:cNvSpPr>
+          <p:nvPr>
+            <p:ph type="dt" sz="half" idx="10"/>
+          </p:nvPr>
+        </p:nvSpPr>
+        <p:spPr/>
+        <p:txBody>
+          <a:bodyPr/>
+          <a:lstStyle/>
+          <a:p>
+            <a:pPr>
+              <a:defRPr/>
+            </a:pPr>
+            <a:r>
+              <a:rPr lang="en-US"/>
+              <a:t>14/05/2019</a:t>
+            </a:r>
+            <a:endParaRPr lang="pt-BR" dirty="0"/>
+          </a:p>
+        </p:txBody>
+      </p:sp>
+      <p:sp>
+        <p:nvSpPr>
+          <p:cNvPr id="3" name="Footer Placeholder 2"/>
+          <p:cNvSpPr>
+            <a:spLocks noGrp="1"/>
+          </p:cNvSpPr>
+          <p:nvPr>
+            <p:ph type="ftr" sz="quarter" idx="11"/>
+          </p:nvPr>
+        </p:nvSpPr>
+        <p:spPr/>
+        <p:txBody>
+          <a:bodyPr/>
+          <a:lstStyle/>
+          <a:p>
+            <a:pPr>
+              <a:defRPr/>
+            </a:pPr>
+            <a:r>
+              <a:rPr lang="pt-BR"/>
+              <a:t>PTS2019 - Data Analysis and Visualization I</a:t>
+            </a:r>
+            <a:endParaRPr lang="pt-BR" dirty="0"/>
+          </a:p>
+        </p:txBody>
+      </p:sp>
+      <p:sp>
+        <p:nvSpPr>
+          <p:cNvPr id="4" name="Slide Number Placeholder 3">
+            <a:extLst>
+              <a:ext uri="{FF2B5EF4-FFF2-40B4-BE49-F238E27FC236}">
+                <a16:creationId xmlns:a16="http://schemas.microsoft.com/office/drawing/2014/main" id="{4E44FF9B-96D5-6844-86ED-F56F6997914D}"/>
+              </a:ext>
+            </a:extLst>
+          </p:cNvPr>
+          <p:cNvSpPr>
+            <a:spLocks noGrp="1"/>
+          </p:cNvSpPr>
+          <p:nvPr>
+            <p:ph type="sldNum" sz="quarter" idx="12"/>
+          </p:nvPr>
+        </p:nvSpPr>
+        <p:spPr/>
+        <p:txBody>
+          <a:bodyPr/>
+          <a:lstStyle/>
+          <a:p>
+            <a:fld id="{0ACDAA0B-38DC-8943-9C5D-D77398DF067C}" type="slidenum">
+              <a:rPr lang="pt-BR" altLang="x-none" smtClean="0"/>
+              <a:pPr/>
+              <a:t>7</a:t>
+            </a:fld>
+            <a:endParaRPr lang="pt-BR" altLang="x-none" dirty="0"/>
+          </a:p>
+        </p:txBody>
+      </p:sp>
+      <p:pic>
+        <p:nvPicPr>
+          <p:cNvPr id="6" name="Picture 5">
+            <a:extLst>
+              <a:ext uri="{FF2B5EF4-FFF2-40B4-BE49-F238E27FC236}">
+                <a16:creationId xmlns:a16="http://schemas.microsoft.com/office/drawing/2014/main" id="{EFAD7D96-42A6-6541-B6DA-89170363F712}"/>
+              </a:ext>
+            </a:extLst>
+          </p:cNvPr>
+          <p:cNvPicPr>
+            <a:picLocks noChangeAspect="1"/>
+          </p:cNvPicPr>
+          <p:nvPr/>
+        </p:nvPicPr>
+        <p:blipFill>
+          <a:blip r:embed="rId3"/>
+          <a:stretch>
+            <a:fillRect/>
+          </a:stretch>
+        </p:blipFill>
+        <p:spPr>
+          <a:xfrm>
+            <a:off x="3881246" y="260648"/>
+            <a:ext cx="1473200" cy="1320800"/>
+          </a:xfrm>
+          <a:prstGeom prst="rect">
+            <a:avLst/>
+          </a:prstGeom>
+          <a:effectLst/>
+        </p:spPr>
+      </p:pic>
+      <p:sp>
+        <p:nvSpPr>
+          <p:cNvPr id="7" name="TextBox 6">
+            <a:extLst>
+              <a:ext uri="{FF2B5EF4-FFF2-40B4-BE49-F238E27FC236}">
+                <a16:creationId xmlns:a16="http://schemas.microsoft.com/office/drawing/2014/main" id="{C59FF2FA-6C2C-4B42-A53F-3172D04FBB6C}"/>
+              </a:ext>
+            </a:extLst>
+          </p:cNvPr>
+          <p:cNvSpPr txBox="1"/>
+          <p:nvPr/>
+        </p:nvSpPr>
+        <p:spPr>
+          <a:xfrm>
+            <a:off x="184759" y="1844314"/>
+            <a:ext cx="1350965" cy="453183"/>
+          </a:xfrm>
+          <a:prstGeom prst="rect">
+            <a:avLst/>
+          </a:prstGeom>
+          <a:solidFill>
+            <a:schemeClr val="bg1">
+              <a:lumMod val="95000"/>
+            </a:schemeClr>
+          </a:solidFill>
+          <a:ln>
+            <a:solidFill>
+              <a:schemeClr val="accent1"/>
+            </a:solidFill>
+          </a:ln>
+        </p:spPr>
+        <p:txBody>
+          <a:bodyPr wrap="none" lIns="180000" tIns="72000" rIns="180000" bIns="72000" rtlCol="0">
+            <a:spAutoFit/>
+          </a:bodyPr>
+          <a:lstStyle/>
+          <a:p>
+            <a:r>
+              <a:rPr lang="en-US" sz="2000" dirty="0">
+                <a:latin typeface="Consolas" panose="020B0609020204030204" pitchFamily="49" charset="0"/>
+                <a:cs typeface="Consolas" panose="020B0609020204030204" pitchFamily="49" charset="0"/>
+              </a:rPr>
+              <a:t>cluster</a:t>
+            </a:r>
+          </a:p>
+        </p:txBody>
+      </p:sp>
+      <p:sp>
+        <p:nvSpPr>
+          <p:cNvPr id="9" name="TextBox 8">
+            <a:extLst>
+              <a:ext uri="{FF2B5EF4-FFF2-40B4-BE49-F238E27FC236}">
+                <a16:creationId xmlns:a16="http://schemas.microsoft.com/office/drawing/2014/main" id="{C0DEF60B-FF23-EE4E-9A36-F9FBFF26D790}"/>
+              </a:ext>
+            </a:extLst>
+          </p:cNvPr>
+          <p:cNvSpPr txBox="1"/>
+          <p:nvPr/>
+        </p:nvSpPr>
+        <p:spPr>
+          <a:xfrm>
+            <a:off x="490634" y="2504653"/>
+            <a:ext cx="1633094" cy="453183"/>
+          </a:xfrm>
+          <a:prstGeom prst="rect">
+            <a:avLst/>
+          </a:prstGeom>
+          <a:solidFill>
+            <a:schemeClr val="bg1">
+              <a:lumMod val="95000"/>
+            </a:schemeClr>
+          </a:solidFill>
+          <a:ln>
+            <a:solidFill>
+              <a:schemeClr val="accent1"/>
+            </a:solidFill>
+          </a:ln>
+        </p:spPr>
+        <p:txBody>
+          <a:bodyPr wrap="none" lIns="180000" tIns="72000" rIns="180000" bIns="72000" rtlCol="0">
+            <a:spAutoFit/>
+          </a:bodyPr>
+          <a:lstStyle/>
+          <a:p>
+            <a:r>
+              <a:rPr lang="en-US" sz="2000" dirty="0">
+                <a:latin typeface="Consolas" panose="020B0609020204030204" pitchFamily="49" charset="0"/>
+                <a:cs typeface="Consolas" panose="020B0609020204030204" pitchFamily="49" charset="0"/>
+              </a:rPr>
+              <a:t>constants</a:t>
+            </a:r>
+          </a:p>
+        </p:txBody>
+      </p:sp>
+      <p:sp>
+        <p:nvSpPr>
+          <p:cNvPr id="10" name="TextBox 9">
+            <a:extLst>
+              <a:ext uri="{FF2B5EF4-FFF2-40B4-BE49-F238E27FC236}">
+                <a16:creationId xmlns:a16="http://schemas.microsoft.com/office/drawing/2014/main" id="{7BE5C3D7-89F6-CE46-863E-944F0F2015BD}"/>
+              </a:ext>
+            </a:extLst>
+          </p:cNvPr>
+          <p:cNvSpPr txBox="1"/>
+          <p:nvPr/>
+        </p:nvSpPr>
+        <p:spPr>
+          <a:xfrm>
+            <a:off x="251520" y="3105390"/>
+            <a:ext cx="1350965" cy="453183"/>
+          </a:xfrm>
+          <a:prstGeom prst="rect">
+            <a:avLst/>
+          </a:prstGeom>
+          <a:solidFill>
+            <a:schemeClr val="bg1">
+              <a:lumMod val="95000"/>
+            </a:schemeClr>
+          </a:solidFill>
+          <a:ln>
+            <a:solidFill>
+              <a:schemeClr val="accent1"/>
+            </a:solidFill>
+          </a:ln>
+        </p:spPr>
+        <p:txBody>
+          <a:bodyPr wrap="none" lIns="180000" tIns="72000" rIns="180000" bIns="72000" rtlCol="0">
+            <a:spAutoFit/>
+          </a:bodyPr>
+          <a:lstStyle/>
+          <a:p>
+            <a:r>
+              <a:rPr lang="en-US" sz="2000" dirty="0" err="1">
+                <a:latin typeface="Consolas" panose="020B0609020204030204" pitchFamily="49" charset="0"/>
+                <a:cs typeface="Consolas" panose="020B0609020204030204" pitchFamily="49" charset="0"/>
+              </a:rPr>
+              <a:t>fftpack</a:t>
+            </a:r>
+            <a:endParaRPr lang="en-US" sz="2000" dirty="0">
+              <a:latin typeface="Consolas" panose="020B0609020204030204" pitchFamily="49" charset="0"/>
+              <a:cs typeface="Consolas" panose="020B0609020204030204" pitchFamily="49" charset="0"/>
+            </a:endParaRPr>
+          </a:p>
+        </p:txBody>
+      </p:sp>
+      <p:sp>
+        <p:nvSpPr>
+          <p:cNvPr id="11" name="TextBox 10">
+            <a:extLst>
+              <a:ext uri="{FF2B5EF4-FFF2-40B4-BE49-F238E27FC236}">
+                <a16:creationId xmlns:a16="http://schemas.microsoft.com/office/drawing/2014/main" id="{978F14FE-4923-D24F-B8C1-347C3CB78DB7}"/>
+              </a:ext>
+            </a:extLst>
+          </p:cNvPr>
+          <p:cNvSpPr txBox="1"/>
+          <p:nvPr/>
+        </p:nvSpPr>
+        <p:spPr>
+          <a:xfrm>
+            <a:off x="490634" y="3730621"/>
+            <a:ext cx="1633094" cy="453183"/>
+          </a:xfrm>
+          <a:prstGeom prst="rect">
+            <a:avLst/>
+          </a:prstGeom>
+          <a:solidFill>
+            <a:schemeClr val="bg1">
+              <a:lumMod val="95000"/>
+            </a:schemeClr>
+          </a:solidFill>
+          <a:ln>
+            <a:solidFill>
+              <a:schemeClr val="accent1"/>
+            </a:solidFill>
+          </a:ln>
+        </p:spPr>
+        <p:txBody>
+          <a:bodyPr wrap="none" lIns="180000" tIns="72000" rIns="180000" bIns="72000" rtlCol="0">
+            <a:spAutoFit/>
+          </a:bodyPr>
+          <a:lstStyle/>
+          <a:p>
+            <a:r>
+              <a:rPr lang="en-US" sz="2000" dirty="0">
+                <a:latin typeface="Consolas" panose="020B0609020204030204" pitchFamily="49" charset="0"/>
+                <a:cs typeface="Consolas" panose="020B0609020204030204" pitchFamily="49" charset="0"/>
+              </a:rPr>
+              <a:t>integrate</a:t>
+            </a:r>
+          </a:p>
+        </p:txBody>
+      </p:sp>
+      <p:sp>
+        <p:nvSpPr>
+          <p:cNvPr id="12" name="TextBox 11">
+            <a:extLst>
+              <a:ext uri="{FF2B5EF4-FFF2-40B4-BE49-F238E27FC236}">
+                <a16:creationId xmlns:a16="http://schemas.microsoft.com/office/drawing/2014/main" id="{463DE438-B055-044F-B0EB-57C6912DD0AA}"/>
+              </a:ext>
+            </a:extLst>
+          </p:cNvPr>
+          <p:cNvSpPr txBox="1"/>
+          <p:nvPr/>
+        </p:nvSpPr>
+        <p:spPr>
+          <a:xfrm>
+            <a:off x="154920" y="4346806"/>
+            <a:ext cx="1915222" cy="453183"/>
+          </a:xfrm>
+          <a:prstGeom prst="rect">
+            <a:avLst/>
+          </a:prstGeom>
+          <a:solidFill>
+            <a:schemeClr val="bg1">
+              <a:lumMod val="95000"/>
+            </a:schemeClr>
+          </a:solidFill>
+          <a:ln>
+            <a:solidFill>
+              <a:schemeClr val="accent1"/>
+            </a:solidFill>
+          </a:ln>
+        </p:spPr>
+        <p:txBody>
+          <a:bodyPr wrap="none" lIns="180000" tIns="72000" rIns="180000" bIns="72000" rtlCol="0">
+            <a:spAutoFit/>
+          </a:bodyPr>
+          <a:lstStyle/>
+          <a:p>
+            <a:r>
+              <a:rPr lang="en-US" sz="2000" dirty="0">
+                <a:latin typeface="Consolas" panose="020B0609020204030204" pitchFamily="49" charset="0"/>
+                <a:cs typeface="Consolas" panose="020B0609020204030204" pitchFamily="49" charset="0"/>
+              </a:rPr>
+              <a:t>interpolate</a:t>
+            </a:r>
+          </a:p>
+        </p:txBody>
+      </p:sp>
+      <p:sp>
+        <p:nvSpPr>
+          <p:cNvPr id="13" name="TextBox 12">
+            <a:extLst>
+              <a:ext uri="{FF2B5EF4-FFF2-40B4-BE49-F238E27FC236}">
+                <a16:creationId xmlns:a16="http://schemas.microsoft.com/office/drawing/2014/main" id="{378039D3-5D30-C642-8BBE-6605FE389262}"/>
+              </a:ext>
+            </a:extLst>
+          </p:cNvPr>
+          <p:cNvSpPr txBox="1"/>
+          <p:nvPr/>
+        </p:nvSpPr>
+        <p:spPr>
+          <a:xfrm>
+            <a:off x="613988" y="4955611"/>
+            <a:ext cx="645644" cy="453183"/>
+          </a:xfrm>
+          <a:prstGeom prst="rect">
+            <a:avLst/>
+          </a:prstGeom>
+          <a:solidFill>
+            <a:schemeClr val="bg1">
+              <a:lumMod val="95000"/>
+            </a:schemeClr>
+          </a:solidFill>
+          <a:ln>
+            <a:solidFill>
+              <a:schemeClr val="accent1"/>
+            </a:solidFill>
+          </a:ln>
+        </p:spPr>
+        <p:txBody>
+          <a:bodyPr wrap="none" lIns="180000" tIns="72000" rIns="180000" bIns="72000" rtlCol="0">
+            <a:spAutoFit/>
+          </a:bodyPr>
+          <a:lstStyle/>
+          <a:p>
+            <a:r>
+              <a:rPr lang="en-US" sz="2000" dirty="0" err="1">
+                <a:latin typeface="Consolas" panose="020B0609020204030204" pitchFamily="49" charset="0"/>
+                <a:cs typeface="Consolas" panose="020B0609020204030204" pitchFamily="49" charset="0"/>
+              </a:rPr>
+              <a:t>io</a:t>
+            </a:r>
+            <a:endParaRPr lang="en-US" sz="2000" dirty="0">
+              <a:latin typeface="Consolas" panose="020B0609020204030204" pitchFamily="49" charset="0"/>
+              <a:cs typeface="Consolas" panose="020B0609020204030204" pitchFamily="49" charset="0"/>
+            </a:endParaRPr>
+          </a:p>
+        </p:txBody>
+      </p:sp>
+      <p:sp>
+        <p:nvSpPr>
+          <p:cNvPr id="14" name="TextBox 13">
+            <a:extLst>
+              <a:ext uri="{FF2B5EF4-FFF2-40B4-BE49-F238E27FC236}">
+                <a16:creationId xmlns:a16="http://schemas.microsoft.com/office/drawing/2014/main" id="{A5F0C449-2CE1-5046-BC0E-5B8A82340CAA}"/>
+              </a:ext>
+            </a:extLst>
+          </p:cNvPr>
+          <p:cNvSpPr txBox="1"/>
+          <p:nvPr/>
+        </p:nvSpPr>
+        <p:spPr>
+          <a:xfrm>
+            <a:off x="392584" y="5607882"/>
+            <a:ext cx="1209901" cy="453183"/>
+          </a:xfrm>
+          <a:prstGeom prst="rect">
+            <a:avLst/>
+          </a:prstGeom>
+          <a:solidFill>
+            <a:schemeClr val="bg1">
+              <a:lumMod val="95000"/>
+            </a:schemeClr>
+          </a:solidFill>
+          <a:ln>
+            <a:solidFill>
+              <a:schemeClr val="accent1"/>
+            </a:solidFill>
+          </a:ln>
+        </p:spPr>
+        <p:txBody>
+          <a:bodyPr wrap="none" lIns="180000" tIns="72000" rIns="180000" bIns="72000" rtlCol="0">
+            <a:spAutoFit/>
+          </a:bodyPr>
+          <a:lstStyle/>
+          <a:p>
+            <a:r>
+              <a:rPr lang="en-US" sz="2000" dirty="0" err="1">
+                <a:latin typeface="Consolas" panose="020B0609020204030204" pitchFamily="49" charset="0"/>
+                <a:cs typeface="Consolas" panose="020B0609020204030204" pitchFamily="49" charset="0"/>
+              </a:rPr>
+              <a:t>linalg</a:t>
+            </a:r>
+            <a:endParaRPr lang="en-US" sz="2000" dirty="0">
+              <a:latin typeface="Consolas" panose="020B0609020204030204" pitchFamily="49" charset="0"/>
+              <a:cs typeface="Consolas" panose="020B0609020204030204" pitchFamily="49" charset="0"/>
+            </a:endParaRPr>
+          </a:p>
+        </p:txBody>
+      </p:sp>
+      <p:sp>
+        <p:nvSpPr>
+          <p:cNvPr id="15" name="TextBox 14">
+            <a:extLst>
+              <a:ext uri="{FF2B5EF4-FFF2-40B4-BE49-F238E27FC236}">
+                <a16:creationId xmlns:a16="http://schemas.microsoft.com/office/drawing/2014/main" id="{ACB018F2-6753-094B-84D8-5DE0275EEE88}"/>
+              </a:ext>
+            </a:extLst>
+          </p:cNvPr>
+          <p:cNvSpPr txBox="1"/>
+          <p:nvPr/>
+        </p:nvSpPr>
+        <p:spPr>
+          <a:xfrm>
+            <a:off x="7179656" y="2505631"/>
+            <a:ext cx="1350965" cy="453183"/>
+          </a:xfrm>
+          <a:prstGeom prst="rect">
+            <a:avLst/>
+          </a:prstGeom>
+          <a:solidFill>
+            <a:schemeClr val="bg1">
+              <a:lumMod val="95000"/>
+            </a:schemeClr>
+          </a:solidFill>
+          <a:ln>
+            <a:solidFill>
+              <a:schemeClr val="accent1"/>
+            </a:solidFill>
+          </a:ln>
+        </p:spPr>
+        <p:txBody>
+          <a:bodyPr wrap="none" lIns="180000" tIns="72000" rIns="180000" bIns="72000" rtlCol="0">
+            <a:spAutoFit/>
+          </a:bodyPr>
+          <a:lstStyle/>
+          <a:p>
+            <a:r>
+              <a:rPr lang="en-US" sz="2000" dirty="0" err="1">
+                <a:latin typeface="Consolas" panose="020B0609020204030204" pitchFamily="49" charset="0"/>
+                <a:cs typeface="Consolas" panose="020B0609020204030204" pitchFamily="49" charset="0"/>
+              </a:rPr>
+              <a:t>ndimage</a:t>
+            </a:r>
+            <a:endParaRPr lang="en-US" sz="2000" dirty="0">
+              <a:latin typeface="Consolas" panose="020B0609020204030204" pitchFamily="49" charset="0"/>
+              <a:cs typeface="Consolas" panose="020B0609020204030204" pitchFamily="49" charset="0"/>
+            </a:endParaRPr>
+          </a:p>
+        </p:txBody>
+      </p:sp>
+      <p:sp>
+        <p:nvSpPr>
+          <p:cNvPr id="16" name="TextBox 15">
+            <a:extLst>
+              <a:ext uri="{FF2B5EF4-FFF2-40B4-BE49-F238E27FC236}">
+                <a16:creationId xmlns:a16="http://schemas.microsoft.com/office/drawing/2014/main" id="{2F13EA70-4089-6F44-981A-F61DAF26E952}"/>
+              </a:ext>
+            </a:extLst>
+          </p:cNvPr>
+          <p:cNvSpPr txBox="1"/>
+          <p:nvPr/>
+        </p:nvSpPr>
+        <p:spPr>
+          <a:xfrm>
+            <a:off x="1471408" y="4955610"/>
+            <a:ext cx="786708" cy="453183"/>
+          </a:xfrm>
+          <a:prstGeom prst="rect">
+            <a:avLst/>
+          </a:prstGeom>
+          <a:solidFill>
+            <a:schemeClr val="bg1">
+              <a:lumMod val="95000"/>
+            </a:schemeClr>
+          </a:solidFill>
+          <a:ln>
+            <a:solidFill>
+              <a:schemeClr val="accent1"/>
+            </a:solidFill>
+          </a:ln>
+        </p:spPr>
+        <p:txBody>
+          <a:bodyPr wrap="none" lIns="180000" tIns="72000" rIns="180000" bIns="72000" rtlCol="0">
+            <a:spAutoFit/>
+          </a:bodyPr>
+          <a:lstStyle/>
+          <a:p>
+            <a:r>
+              <a:rPr lang="en-US" sz="2000" dirty="0" err="1">
+                <a:latin typeface="Consolas" panose="020B0609020204030204" pitchFamily="49" charset="0"/>
+                <a:cs typeface="Consolas" panose="020B0609020204030204" pitchFamily="49" charset="0"/>
+              </a:rPr>
+              <a:t>odr</a:t>
+            </a:r>
+            <a:endParaRPr lang="en-US" sz="2000" dirty="0">
+              <a:latin typeface="Consolas" panose="020B0609020204030204" pitchFamily="49" charset="0"/>
+              <a:cs typeface="Consolas" panose="020B0609020204030204" pitchFamily="49" charset="0"/>
+            </a:endParaRPr>
+          </a:p>
+        </p:txBody>
+      </p:sp>
+      <p:sp>
+        <p:nvSpPr>
+          <p:cNvPr id="17" name="TextBox 16">
+            <a:extLst>
+              <a:ext uri="{FF2B5EF4-FFF2-40B4-BE49-F238E27FC236}">
+                <a16:creationId xmlns:a16="http://schemas.microsoft.com/office/drawing/2014/main" id="{D1A050F9-D5E8-C24E-B623-35EDD5025310}"/>
+              </a:ext>
+            </a:extLst>
+          </p:cNvPr>
+          <p:cNvSpPr txBox="1"/>
+          <p:nvPr/>
+        </p:nvSpPr>
+        <p:spPr>
+          <a:xfrm>
+            <a:off x="7527279" y="1893136"/>
+            <a:ext cx="1492030" cy="453183"/>
+          </a:xfrm>
+          <a:prstGeom prst="rect">
+            <a:avLst/>
+          </a:prstGeom>
+          <a:solidFill>
+            <a:schemeClr val="bg1">
+              <a:lumMod val="95000"/>
+            </a:schemeClr>
+          </a:solidFill>
+          <a:ln>
+            <a:solidFill>
+              <a:schemeClr val="accent1"/>
+            </a:solidFill>
+          </a:ln>
+        </p:spPr>
+        <p:txBody>
+          <a:bodyPr wrap="none" lIns="180000" tIns="72000" rIns="180000" bIns="72000" rtlCol="0">
+            <a:spAutoFit/>
+          </a:bodyPr>
+          <a:lstStyle/>
+          <a:p>
+            <a:r>
+              <a:rPr lang="en-US" sz="2000" dirty="0">
+                <a:latin typeface="Consolas" panose="020B0609020204030204" pitchFamily="49" charset="0"/>
+                <a:cs typeface="Consolas" panose="020B0609020204030204" pitchFamily="49" charset="0"/>
+              </a:rPr>
+              <a:t>optimize</a:t>
+            </a:r>
+          </a:p>
+        </p:txBody>
+      </p:sp>
+      <p:sp>
+        <p:nvSpPr>
+          <p:cNvPr id="18" name="TextBox 17">
+            <a:extLst>
+              <a:ext uri="{FF2B5EF4-FFF2-40B4-BE49-F238E27FC236}">
+                <a16:creationId xmlns:a16="http://schemas.microsoft.com/office/drawing/2014/main" id="{BEAA478B-6588-8147-8C33-0B136222CD24}"/>
+              </a:ext>
+            </a:extLst>
+          </p:cNvPr>
+          <p:cNvSpPr txBox="1"/>
+          <p:nvPr/>
+        </p:nvSpPr>
+        <p:spPr>
+          <a:xfrm>
+            <a:off x="7738875" y="3118126"/>
+            <a:ext cx="1209901" cy="453183"/>
+          </a:xfrm>
+          <a:prstGeom prst="rect">
+            <a:avLst/>
+          </a:prstGeom>
+          <a:solidFill>
+            <a:schemeClr val="bg1">
+              <a:lumMod val="95000"/>
+            </a:schemeClr>
+          </a:solidFill>
+          <a:ln>
+            <a:solidFill>
+              <a:schemeClr val="accent1"/>
+            </a:solidFill>
+          </a:ln>
+        </p:spPr>
+        <p:txBody>
+          <a:bodyPr wrap="none" lIns="180000" tIns="72000" rIns="180000" bIns="72000" rtlCol="0">
+            <a:spAutoFit/>
+          </a:bodyPr>
+          <a:lstStyle/>
+          <a:p>
+            <a:r>
+              <a:rPr lang="en-US" sz="2000" dirty="0">
+                <a:latin typeface="Consolas" panose="020B0609020204030204" pitchFamily="49" charset="0"/>
+                <a:cs typeface="Consolas" panose="020B0609020204030204" pitchFamily="49" charset="0"/>
+              </a:rPr>
+              <a:t>signal</a:t>
+            </a:r>
+          </a:p>
+        </p:txBody>
+      </p:sp>
+      <p:sp>
+        <p:nvSpPr>
+          <p:cNvPr id="19" name="TextBox 18">
+            <a:extLst>
+              <a:ext uri="{FF2B5EF4-FFF2-40B4-BE49-F238E27FC236}">
+                <a16:creationId xmlns:a16="http://schemas.microsoft.com/office/drawing/2014/main" id="{71B6DB9A-36FA-A54F-B6B4-BB99151776E9}"/>
+              </a:ext>
+            </a:extLst>
+          </p:cNvPr>
+          <p:cNvSpPr txBox="1"/>
+          <p:nvPr/>
+        </p:nvSpPr>
+        <p:spPr>
+          <a:xfrm>
+            <a:off x="7225728" y="3730621"/>
+            <a:ext cx="1209901" cy="453183"/>
+          </a:xfrm>
+          <a:prstGeom prst="rect">
+            <a:avLst/>
+          </a:prstGeom>
+          <a:solidFill>
+            <a:schemeClr val="bg1">
+              <a:lumMod val="95000"/>
+            </a:schemeClr>
+          </a:solidFill>
+          <a:ln>
+            <a:solidFill>
+              <a:schemeClr val="accent1"/>
+            </a:solidFill>
+          </a:ln>
+        </p:spPr>
+        <p:txBody>
+          <a:bodyPr wrap="none" lIns="180000" tIns="72000" rIns="180000" bIns="72000" rtlCol="0">
+            <a:spAutoFit/>
+          </a:bodyPr>
+          <a:lstStyle/>
+          <a:p>
+            <a:r>
+              <a:rPr lang="en-US" sz="2000" dirty="0">
+                <a:latin typeface="Consolas" panose="020B0609020204030204" pitchFamily="49" charset="0"/>
+                <a:cs typeface="Consolas" panose="020B0609020204030204" pitchFamily="49" charset="0"/>
+              </a:rPr>
+              <a:t>sparse</a:t>
+            </a:r>
+          </a:p>
+        </p:txBody>
+      </p:sp>
+      <p:sp>
+        <p:nvSpPr>
+          <p:cNvPr id="20" name="TextBox 19">
+            <a:extLst>
+              <a:ext uri="{FF2B5EF4-FFF2-40B4-BE49-F238E27FC236}">
+                <a16:creationId xmlns:a16="http://schemas.microsoft.com/office/drawing/2014/main" id="{2CD1F01B-E956-6F4D-8374-48BB4CED48F4}"/>
+              </a:ext>
+            </a:extLst>
+          </p:cNvPr>
+          <p:cNvSpPr txBox="1"/>
+          <p:nvPr/>
+        </p:nvSpPr>
+        <p:spPr>
+          <a:xfrm>
+            <a:off x="7668344" y="4343116"/>
+            <a:ext cx="1350965" cy="453183"/>
+          </a:xfrm>
+          <a:prstGeom prst="rect">
+            <a:avLst/>
+          </a:prstGeom>
+          <a:solidFill>
+            <a:schemeClr val="bg1">
+              <a:lumMod val="95000"/>
+            </a:schemeClr>
+          </a:solidFill>
+          <a:ln>
+            <a:solidFill>
+              <a:schemeClr val="accent1"/>
+            </a:solidFill>
+          </a:ln>
+        </p:spPr>
+        <p:txBody>
+          <a:bodyPr wrap="none" lIns="180000" tIns="72000" rIns="180000" bIns="72000" rtlCol="0">
+            <a:spAutoFit/>
+          </a:bodyPr>
+          <a:lstStyle/>
+          <a:p>
+            <a:r>
+              <a:rPr lang="en-US" sz="2000" dirty="0">
+                <a:latin typeface="Consolas" panose="020B0609020204030204" pitchFamily="49" charset="0"/>
+                <a:cs typeface="Consolas" panose="020B0609020204030204" pitchFamily="49" charset="0"/>
+              </a:rPr>
+              <a:t>spatial</a:t>
+            </a:r>
+          </a:p>
+        </p:txBody>
+      </p:sp>
+      <p:sp>
+        <p:nvSpPr>
+          <p:cNvPr id="21" name="TextBox 20">
+            <a:extLst>
+              <a:ext uri="{FF2B5EF4-FFF2-40B4-BE49-F238E27FC236}">
+                <a16:creationId xmlns:a16="http://schemas.microsoft.com/office/drawing/2014/main" id="{D18EE63F-1C70-DB45-978A-7E1D426EFD96}"/>
+              </a:ext>
+            </a:extLst>
+          </p:cNvPr>
+          <p:cNvSpPr txBox="1"/>
+          <p:nvPr/>
+        </p:nvSpPr>
+        <p:spPr>
+          <a:xfrm>
+            <a:off x="7155195" y="4955611"/>
+            <a:ext cx="1350965" cy="453183"/>
+          </a:xfrm>
+          <a:prstGeom prst="rect">
+            <a:avLst/>
+          </a:prstGeom>
+          <a:solidFill>
+            <a:schemeClr val="bg1">
+              <a:lumMod val="95000"/>
+            </a:schemeClr>
+          </a:solidFill>
+          <a:ln>
+            <a:solidFill>
+              <a:schemeClr val="accent1"/>
+            </a:solidFill>
+          </a:ln>
+        </p:spPr>
+        <p:txBody>
+          <a:bodyPr wrap="none" lIns="180000" tIns="72000" rIns="180000" bIns="72000" rtlCol="0">
+            <a:spAutoFit/>
+          </a:bodyPr>
+          <a:lstStyle/>
+          <a:p>
+            <a:r>
+              <a:rPr lang="en-US" sz="2000" dirty="0">
+                <a:latin typeface="Consolas" panose="020B0609020204030204" pitchFamily="49" charset="0"/>
+                <a:cs typeface="Consolas" panose="020B0609020204030204" pitchFamily="49" charset="0"/>
+              </a:rPr>
+              <a:t>special</a:t>
+            </a:r>
+          </a:p>
+        </p:txBody>
+      </p:sp>
+      <p:sp>
+        <p:nvSpPr>
+          <p:cNvPr id="22" name="TextBox 21">
+            <a:extLst>
+              <a:ext uri="{FF2B5EF4-FFF2-40B4-BE49-F238E27FC236}">
+                <a16:creationId xmlns:a16="http://schemas.microsoft.com/office/drawing/2014/main" id="{02A1B152-8392-A240-BF43-19B3DE564806}"/>
+              </a:ext>
+            </a:extLst>
+          </p:cNvPr>
+          <p:cNvSpPr txBox="1"/>
+          <p:nvPr/>
+        </p:nvSpPr>
+        <p:spPr>
+          <a:xfrm>
+            <a:off x="7668344" y="5568105"/>
+            <a:ext cx="1068837" cy="453183"/>
+          </a:xfrm>
+          <a:prstGeom prst="rect">
+            <a:avLst/>
+          </a:prstGeom>
+          <a:solidFill>
+            <a:schemeClr val="bg1">
+              <a:lumMod val="95000"/>
+            </a:schemeClr>
+          </a:solidFill>
+          <a:ln>
+            <a:solidFill>
+              <a:schemeClr val="accent1"/>
+            </a:solidFill>
+          </a:ln>
+        </p:spPr>
+        <p:txBody>
+          <a:bodyPr wrap="none" lIns="180000" tIns="72000" rIns="180000" bIns="72000" rtlCol="0">
+            <a:spAutoFit/>
+          </a:bodyPr>
+          <a:lstStyle/>
+          <a:p>
+            <a:r>
+              <a:rPr lang="en-US" sz="2000" dirty="0">
+                <a:latin typeface="Consolas" panose="020B0609020204030204" pitchFamily="49" charset="0"/>
+                <a:cs typeface="Consolas" panose="020B0609020204030204" pitchFamily="49" charset="0"/>
+              </a:rPr>
+              <a:t>stats</a:t>
+            </a:r>
+          </a:p>
+        </p:txBody>
+      </p:sp>
+      <p:sp>
+        <p:nvSpPr>
+          <p:cNvPr id="5" name="Rectangle 4">
+            <a:extLst>
+              <a:ext uri="{FF2B5EF4-FFF2-40B4-BE49-F238E27FC236}">
+                <a16:creationId xmlns:a16="http://schemas.microsoft.com/office/drawing/2014/main" id="{EB167C95-1485-A448-AE1A-5C359E8BD2AA}"/>
+              </a:ext>
+            </a:extLst>
+          </p:cNvPr>
+          <p:cNvSpPr/>
+          <p:nvPr/>
+        </p:nvSpPr>
+        <p:spPr>
+          <a:xfrm>
+            <a:off x="6975475" y="1701602"/>
+            <a:ext cx="2101105" cy="4463701"/>
+          </a:xfrm>
+          <a:prstGeom prst="rect">
+            <a:avLst/>
+          </a:prstGeom>
+          <a:solidFill>
+            <a:schemeClr val="bg1">
+              <a:alpha val="82000"/>
+            </a:schemeClr>
+          </a:solidFill>
+          <a:ln>
+            <a:noFill/>
+          </a:ln>
+        </p:spPr>
+        <p:style>
+          <a:lnRef idx="2">
+            <a:schemeClr val="accent1">
+              <a:shade val="50000"/>
+            </a:schemeClr>
+          </a:lnRef>
+          <a:fillRef idx="1">
+            <a:schemeClr val="accent1"/>
+          </a:fillRef>
+          <a:effectRef idx="0">
+            <a:schemeClr val="accent1"/>
+          </a:effectRef>
+          <a:fontRef idx="minor">
+            <a:schemeClr val="lt1"/>
+          </a:fontRef>
+        </p:style>
+        <p:txBody>
+          <a:bodyPr rtlCol="0" anchor="ctr"/>
+          <a:lstStyle/>
+          <a:p>
+            <a:pPr algn="ctr"/>
+            <a:endParaRPr lang="en-US"/>
+          </a:p>
+        </p:txBody>
+      </p:sp>
+      <p:sp>
+        <p:nvSpPr>
+          <p:cNvPr id="23" name="Rectangle 22">
+            <a:extLst>
+              <a:ext uri="{FF2B5EF4-FFF2-40B4-BE49-F238E27FC236}">
+                <a16:creationId xmlns:a16="http://schemas.microsoft.com/office/drawing/2014/main" id="{183C9F6C-7CCC-364B-B502-D3580DC50BB3}"/>
+              </a:ext>
+            </a:extLst>
+          </p:cNvPr>
+          <p:cNvSpPr/>
+          <p:nvPr/>
+        </p:nvSpPr>
+        <p:spPr>
+          <a:xfrm>
+            <a:off x="151943" y="3061837"/>
+            <a:ext cx="2101105" cy="1893773"/>
+          </a:xfrm>
+          <a:prstGeom prst="rect">
+            <a:avLst/>
+          </a:prstGeom>
+          <a:solidFill>
+            <a:schemeClr val="bg1">
+              <a:alpha val="82000"/>
+            </a:schemeClr>
+          </a:solidFill>
+          <a:ln>
+            <a:noFill/>
+          </a:ln>
+        </p:spPr>
+        <p:style>
+          <a:lnRef idx="2">
+            <a:schemeClr val="accent1">
+              <a:shade val="50000"/>
+            </a:schemeClr>
+          </a:lnRef>
+          <a:fillRef idx="1">
+            <a:schemeClr val="accent1"/>
+          </a:fillRef>
+          <a:effectRef idx="0">
+            <a:schemeClr val="accent1"/>
+          </a:effectRef>
+          <a:fontRef idx="minor">
+            <a:schemeClr val="lt1"/>
+          </a:fontRef>
+        </p:style>
+        <p:txBody>
+          <a:bodyPr rtlCol="0" anchor="ctr"/>
+          <a:lstStyle/>
+          <a:p>
+            <a:pPr algn="ctr"/>
+            <a:endParaRPr lang="en-US"/>
+          </a:p>
+        </p:txBody>
+      </p:sp>
+      <p:sp>
+        <p:nvSpPr>
+          <p:cNvPr id="24" name="Rectangle 23">
+            <a:extLst>
+              <a:ext uri="{FF2B5EF4-FFF2-40B4-BE49-F238E27FC236}">
+                <a16:creationId xmlns:a16="http://schemas.microsoft.com/office/drawing/2014/main" id="{197A4C63-7F2C-8D42-A9C6-BAB02D53F3FF}"/>
+              </a:ext>
+            </a:extLst>
+          </p:cNvPr>
+          <p:cNvSpPr/>
+          <p:nvPr/>
+        </p:nvSpPr>
+        <p:spPr>
+          <a:xfrm>
+            <a:off x="-6671589" y="3164364"/>
+            <a:ext cx="2101105" cy="2522627"/>
+          </a:xfrm>
+          <a:prstGeom prst="rect">
+            <a:avLst/>
+          </a:prstGeom>
+          <a:solidFill>
+            <a:schemeClr val="bg1">
+              <a:alpha val="82000"/>
+            </a:schemeClr>
+          </a:solidFill>
+          <a:ln>
+            <a:noFill/>
+          </a:ln>
+        </p:spPr>
+        <p:style>
+          <a:lnRef idx="2">
+            <a:schemeClr val="accent1">
+              <a:shade val="50000"/>
+            </a:schemeClr>
+          </a:lnRef>
+          <a:fillRef idx="1">
+            <a:schemeClr val="accent1"/>
+          </a:fillRef>
+          <a:effectRef idx="0">
+            <a:schemeClr val="accent1"/>
+          </a:effectRef>
+          <a:fontRef idx="minor">
+            <a:schemeClr val="lt1"/>
+          </a:fontRef>
+        </p:style>
+        <p:txBody>
+          <a:bodyPr rtlCol="0" anchor="ctr"/>
+          <a:lstStyle/>
+          <a:p>
+            <a:pPr algn="ctr"/>
+            <a:endParaRPr lang="en-US"/>
+          </a:p>
+        </p:txBody>
+      </p:sp>
+      <p:sp>
+        <p:nvSpPr>
+          <p:cNvPr id="25" name="Rectangle 24">
+            <a:extLst>
+              <a:ext uri="{FF2B5EF4-FFF2-40B4-BE49-F238E27FC236}">
+                <a16:creationId xmlns:a16="http://schemas.microsoft.com/office/drawing/2014/main" id="{F195542F-2F29-0B4B-BC0A-0A2FE14422B1}"/>
+              </a:ext>
+            </a:extLst>
+          </p:cNvPr>
+          <p:cNvSpPr/>
+          <p:nvPr/>
+        </p:nvSpPr>
+        <p:spPr>
+          <a:xfrm>
+            <a:off x="366415" y="4903990"/>
+            <a:ext cx="2101105" cy="1193638"/>
+          </a:xfrm>
+          <a:prstGeom prst="rect">
+            <a:avLst/>
+          </a:prstGeom>
+          <a:solidFill>
+            <a:schemeClr val="bg1">
+              <a:alpha val="82000"/>
+            </a:schemeClr>
+          </a:solidFill>
+          <a:ln>
+            <a:noFill/>
+          </a:ln>
+        </p:spPr>
+        <p:style>
+          <a:lnRef idx="2">
+            <a:schemeClr val="accent1">
+              <a:shade val="50000"/>
+            </a:schemeClr>
+          </a:lnRef>
+          <a:fillRef idx="1">
+            <a:schemeClr val="accent1"/>
+          </a:fillRef>
+          <a:effectRef idx="0">
+            <a:schemeClr val="accent1"/>
+          </a:effectRef>
+          <a:fontRef idx="minor">
+            <a:schemeClr val="lt1"/>
+          </a:fontRef>
+        </p:style>
+        <p:txBody>
+          <a:bodyPr rtlCol="0" anchor="ctr"/>
+          <a:lstStyle/>
+          <a:p>
+            <a:pPr algn="ctr"/>
+            <a:endParaRPr lang="en-US"/>
+          </a:p>
+        </p:txBody>
+      </p:sp>
+      <p:sp>
+        <p:nvSpPr>
+          <p:cNvPr id="27" name="Rectangle 26">
+            <a:extLst>
+              <a:ext uri="{FF2B5EF4-FFF2-40B4-BE49-F238E27FC236}">
+                <a16:creationId xmlns:a16="http://schemas.microsoft.com/office/drawing/2014/main" id="{5A5043C1-2F24-2842-AF9B-AB6042CFD2AF}"/>
+              </a:ext>
+            </a:extLst>
+          </p:cNvPr>
+          <p:cNvSpPr/>
+          <p:nvPr/>
+        </p:nvSpPr>
+        <p:spPr>
+          <a:xfrm>
+            <a:off x="94672" y="1703238"/>
+            <a:ext cx="2101105" cy="713317"/>
+          </a:xfrm>
+          <a:prstGeom prst="rect">
+            <a:avLst/>
+          </a:prstGeom>
+          <a:solidFill>
+            <a:schemeClr val="bg1">
+              <a:alpha val="82000"/>
+            </a:schemeClr>
+          </a:solidFill>
+          <a:ln>
+            <a:noFill/>
+          </a:ln>
+        </p:spPr>
+        <p:style>
+          <a:lnRef idx="2">
+            <a:schemeClr val="accent1">
+              <a:shade val="50000"/>
+            </a:schemeClr>
+          </a:lnRef>
+          <a:fillRef idx="1">
+            <a:schemeClr val="accent1"/>
+          </a:fillRef>
+          <a:effectRef idx="0">
+            <a:schemeClr val="accent1"/>
+          </a:effectRef>
+          <a:fontRef idx="minor">
+            <a:schemeClr val="lt1"/>
+          </a:fontRef>
+        </p:style>
+        <p:txBody>
+          <a:bodyPr rtlCol="0" anchor="ctr"/>
+          <a:lstStyle/>
+          <a:p>
+            <a:pPr algn="ctr"/>
+            <a:endParaRPr lang="en-US"/>
+          </a:p>
+        </p:txBody>
+      </p:sp>
+    </p:spTree>
+    <p:extLst>
+      <p:ext uri="{BB962C8B-B14F-4D97-AF65-F5344CB8AC3E}">
+        <p14:creationId xmlns:p14="http://schemas.microsoft.com/office/powerpoint/2010/main" val="395796848"/>
+      </p:ext>
+    </p:extLst>
+  </p:cSld>
+  <p:clrMapOvr>
+    <a:masterClrMapping/>
+  </p:clrMapOvr>
+  <p:transition>
+    <p:fade/>
+  </p:transition>
+</p:sld>
+</file>
+
+<file path=ppt/slides/slide8.xml><?xml version="1.0" encoding="utf-8"?>
+<p:sld xmlns:a="http://schemas.openxmlformats.org/drawingml/2006/main" xmlns:r="http://schemas.openxmlformats.org/officeDocument/2006/relationships" xmlns:p="http://schemas.openxmlformats.org/presentationml/2006/main">
+  <p:cSld>
+    <p:spTree>
+      <p:nvGrpSpPr>
+        <p:cNvPr id="1" name=""/>
+        <p:cNvGrpSpPr/>
+        <p:nvPr/>
+      </p:nvGrpSpPr>
+      <p:grpSpPr>
+        <a:xfrm>
+          <a:off x="0" y="0"/>
+          <a:ext cx="0" cy="0"/>
+          <a:chOff x="0" y="0"/>
+          <a:chExt cx="0" cy="0"/>
+        </a:xfrm>
+      </p:grpSpPr>
+      <p:sp>
+        <p:nvSpPr>
+          <p:cNvPr id="2" name="Title 1">
+            <a:extLst>
+              <a:ext uri="{FF2B5EF4-FFF2-40B4-BE49-F238E27FC236}">
+                <a16:creationId xmlns:a16="http://schemas.microsoft.com/office/drawing/2014/main" id="{D4180CC7-F508-0A4D-8D9D-2D6DFDA3B63A}"/>
+              </a:ext>
+            </a:extLst>
+          </p:cNvPr>
+          <p:cNvSpPr>
+            <a:spLocks noGrp="1"/>
+          </p:cNvSpPr>
+          <p:nvPr>
+            <p:ph type="title"/>
+          </p:nvPr>
+        </p:nvSpPr>
+        <p:spPr/>
+        <p:txBody>
+          <a:bodyPr/>
+          <a:lstStyle/>
+          <a:p>
+            <a:r>
+              <a:rPr lang="en-US" dirty="0" err="1"/>
+              <a:t>MatPlotLib</a:t>
+            </a:r>
+            <a:r>
+              <a:rPr lang="en-US" dirty="0"/>
+              <a:t> – Image Display</a:t>
+            </a:r>
+          </a:p>
+        </p:txBody>
+      </p:sp>
+      <p:sp>
+        <p:nvSpPr>
+          <p:cNvPr id="3" name="Date Placeholder 2">
+            <a:extLst>
+              <a:ext uri="{FF2B5EF4-FFF2-40B4-BE49-F238E27FC236}">
+                <a16:creationId xmlns:a16="http://schemas.microsoft.com/office/drawing/2014/main" id="{10454C37-139D-8240-B8B7-26A6CB951D0E}"/>
+              </a:ext>
+            </a:extLst>
+          </p:cNvPr>
+          <p:cNvSpPr>
+            <a:spLocks noGrp="1"/>
+          </p:cNvSpPr>
+          <p:nvPr>
+            <p:ph type="dt" sz="half" idx="10"/>
+          </p:nvPr>
+        </p:nvSpPr>
+        <p:spPr/>
+        <p:txBody>
+          <a:bodyPr/>
+          <a:lstStyle/>
+          <a:p>
+            <a:pPr>
+              <a:defRPr/>
+            </a:pPr>
+            <a:r>
+              <a:rPr lang="en-US"/>
+              <a:t>14/05/2019</a:t>
+            </a:r>
+            <a:endParaRPr lang="pt-BR" dirty="0"/>
+          </a:p>
+        </p:txBody>
+      </p:sp>
+      <p:sp>
+        <p:nvSpPr>
+          <p:cNvPr id="4" name="Footer Placeholder 3">
+            <a:extLst>
+              <a:ext uri="{FF2B5EF4-FFF2-40B4-BE49-F238E27FC236}">
+                <a16:creationId xmlns:a16="http://schemas.microsoft.com/office/drawing/2014/main" id="{26C6C84A-22EA-DE47-A964-D10874AF7DD3}"/>
+              </a:ext>
+            </a:extLst>
+          </p:cNvPr>
+          <p:cNvSpPr>
+            <a:spLocks noGrp="1"/>
+          </p:cNvSpPr>
+          <p:nvPr>
+            <p:ph type="ftr" sz="quarter" idx="11"/>
+          </p:nvPr>
+        </p:nvSpPr>
+        <p:spPr/>
+        <p:txBody>
+          <a:bodyPr/>
+          <a:lstStyle/>
+          <a:p>
+            <a:pPr>
+              <a:defRPr/>
+            </a:pPr>
+            <a:r>
+              <a:rPr lang="pt-BR"/>
+              <a:t>PTS2019 - Data Analysis and Visualization I</a:t>
+            </a:r>
+            <a:endParaRPr lang="pt-BR" dirty="0"/>
+          </a:p>
+        </p:txBody>
+      </p:sp>
+      <p:sp>
+        <p:nvSpPr>
+          <p:cNvPr id="5" name="Slide Number Placeholder 4">
+            <a:extLst>
+              <a:ext uri="{FF2B5EF4-FFF2-40B4-BE49-F238E27FC236}">
+                <a16:creationId xmlns:a16="http://schemas.microsoft.com/office/drawing/2014/main" id="{2C56F56B-8B69-DD46-AEC3-B7B6415298C2}"/>
+              </a:ext>
+            </a:extLst>
+          </p:cNvPr>
+          <p:cNvSpPr>
+            <a:spLocks noGrp="1"/>
+          </p:cNvSpPr>
+          <p:nvPr>
+            <p:ph type="sldNum" sz="quarter" idx="12"/>
+          </p:nvPr>
+        </p:nvSpPr>
+        <p:spPr/>
+        <p:txBody>
+          <a:bodyPr/>
+          <a:lstStyle/>
+          <a:p>
+            <a:fld id="{0ACDAA0B-38DC-8943-9C5D-D77398DF067C}" type="slidenum">
+              <a:rPr lang="pt-BR" altLang="x-none" smtClean="0"/>
+              <a:pPr/>
+              <a:t>8</a:t>
+            </a:fld>
+            <a:endParaRPr lang="pt-BR" altLang="x-none" dirty="0"/>
+          </a:p>
+        </p:txBody>
+      </p:sp>
+      <p:sp>
+        <p:nvSpPr>
+          <p:cNvPr id="6" name="Rectangle 5">
+            <a:extLst>
+              <a:ext uri="{FF2B5EF4-FFF2-40B4-BE49-F238E27FC236}">
+                <a16:creationId xmlns:a16="http://schemas.microsoft.com/office/drawing/2014/main" id="{240E4E75-DADF-744F-BE99-57971CFED0D6}"/>
+              </a:ext>
+            </a:extLst>
+          </p:cNvPr>
+          <p:cNvSpPr/>
+          <p:nvPr/>
+        </p:nvSpPr>
+        <p:spPr>
+          <a:xfrm>
+            <a:off x="251520" y="1484784"/>
+            <a:ext cx="5544616" cy="2664296"/>
+          </a:xfrm>
+          <a:prstGeom prst="rect">
+            <a:avLst/>
+          </a:prstGeom>
+          <a:solidFill>
+            <a:schemeClr val="bg1">
+              <a:lumMod val="95000"/>
+            </a:schemeClr>
+          </a:solidFill>
+          <a:ln w="12700">
+            <a:solidFill>
+              <a:schemeClr val="bg1">
+                <a:lumMod val="75000"/>
+              </a:schemeClr>
+            </a:solidFill>
+          </a:ln>
+        </p:spPr>
+        <p:style>
+          <a:lnRef idx="2">
+            <a:schemeClr val="accent1">
+              <a:shade val="50000"/>
+            </a:schemeClr>
+          </a:lnRef>
+          <a:fillRef idx="1">
+            <a:schemeClr val="accent1"/>
+          </a:fillRef>
+          <a:effectRef idx="0">
+            <a:schemeClr val="accent1"/>
+          </a:effectRef>
+          <a:fontRef idx="minor">
+            <a:schemeClr val="lt1"/>
+          </a:fontRef>
+        </p:style>
+        <p:txBody>
+          <a:bodyPr tIns="72000" bIns="72000" rtlCol="0" anchor="t">
+            <a:noAutofit/>
+          </a:bodyPr>
+          <a:lstStyle/>
+          <a:p>
+            <a:r>
+              <a:rPr lang="en-US" b="1" dirty="0">
+                <a:solidFill>
+                  <a:srgbClr val="008000"/>
+                </a:solidFill>
+                <a:latin typeface="Consolas" panose="020B0609020204030204" pitchFamily="49" charset="0"/>
+                <a:cs typeface="Consolas" panose="020B0609020204030204" pitchFamily="49" charset="0"/>
+              </a:rPr>
+              <a:t>import</a:t>
+            </a:r>
+            <a:r>
+              <a:rPr lang="en-US" dirty="0">
+                <a:solidFill>
+                  <a:schemeClr val="tx1"/>
+                </a:solidFill>
+                <a:latin typeface="Consolas" panose="020B0609020204030204" pitchFamily="49" charset="0"/>
+                <a:cs typeface="Consolas" panose="020B0609020204030204" pitchFamily="49" charset="0"/>
+              </a:rPr>
+              <a:t> </a:t>
+            </a:r>
+            <a:r>
+              <a:rPr lang="en-US" dirty="0" err="1">
+                <a:solidFill>
+                  <a:schemeClr val="tx1"/>
+                </a:solidFill>
+                <a:latin typeface="Consolas" panose="020B0609020204030204" pitchFamily="49" charset="0"/>
+                <a:cs typeface="Consolas" panose="020B0609020204030204" pitchFamily="49" charset="0"/>
+              </a:rPr>
+              <a:t>numpy</a:t>
+            </a:r>
+            <a:r>
+              <a:rPr lang="en-US" dirty="0">
+                <a:solidFill>
+                  <a:schemeClr val="tx1"/>
+                </a:solidFill>
+                <a:latin typeface="Consolas" panose="020B0609020204030204" pitchFamily="49" charset="0"/>
+                <a:cs typeface="Consolas" panose="020B0609020204030204" pitchFamily="49" charset="0"/>
+              </a:rPr>
+              <a:t> </a:t>
+            </a:r>
+            <a:r>
+              <a:rPr lang="en-US" b="1" dirty="0">
+                <a:solidFill>
+                  <a:srgbClr val="008000"/>
+                </a:solidFill>
+                <a:latin typeface="Consolas" panose="020B0609020204030204" pitchFamily="49" charset="0"/>
+                <a:cs typeface="Consolas" panose="020B0609020204030204" pitchFamily="49" charset="0"/>
+              </a:rPr>
+              <a:t>as</a:t>
+            </a:r>
+            <a:r>
+              <a:rPr lang="en-US" dirty="0">
+                <a:solidFill>
+                  <a:schemeClr val="tx1"/>
+                </a:solidFill>
+                <a:latin typeface="Consolas" panose="020B0609020204030204" pitchFamily="49" charset="0"/>
+                <a:cs typeface="Consolas" panose="020B0609020204030204" pitchFamily="49" charset="0"/>
+              </a:rPr>
+              <a:t> np</a:t>
+            </a:r>
+          </a:p>
+          <a:p>
+            <a:r>
+              <a:rPr lang="en-US" b="1" dirty="0">
+                <a:solidFill>
+                  <a:srgbClr val="008000"/>
+                </a:solidFill>
+                <a:latin typeface="Consolas" panose="020B0609020204030204" pitchFamily="49" charset="0"/>
+                <a:cs typeface="Consolas" panose="020B0609020204030204" pitchFamily="49" charset="0"/>
+              </a:rPr>
+              <a:t>from</a:t>
+            </a:r>
+            <a:r>
+              <a:rPr lang="en-US" dirty="0">
+                <a:solidFill>
+                  <a:schemeClr val="tx1"/>
+                </a:solidFill>
+                <a:latin typeface="Consolas" panose="020B0609020204030204" pitchFamily="49" charset="0"/>
+                <a:cs typeface="Consolas" panose="020B0609020204030204" pitchFamily="49" charset="0"/>
+              </a:rPr>
+              <a:t> matplotlib </a:t>
+            </a:r>
+            <a:r>
+              <a:rPr lang="en-US" b="1" dirty="0">
+                <a:solidFill>
+                  <a:srgbClr val="008000"/>
+                </a:solidFill>
+                <a:latin typeface="Consolas" panose="020B0609020204030204" pitchFamily="49" charset="0"/>
+                <a:cs typeface="Consolas" panose="020B0609020204030204" pitchFamily="49" charset="0"/>
+              </a:rPr>
+              <a:t>import</a:t>
+            </a:r>
+            <a:r>
+              <a:rPr lang="en-US" dirty="0">
+                <a:solidFill>
+                  <a:schemeClr val="tx1"/>
+                </a:solidFill>
+                <a:latin typeface="Consolas" panose="020B0609020204030204" pitchFamily="49" charset="0"/>
+                <a:cs typeface="Consolas" panose="020B0609020204030204" pitchFamily="49" charset="0"/>
+              </a:rPr>
+              <a:t> </a:t>
+            </a:r>
+            <a:r>
+              <a:rPr lang="en-US" dirty="0" err="1">
+                <a:solidFill>
+                  <a:schemeClr val="tx1"/>
+                </a:solidFill>
+                <a:latin typeface="Consolas" panose="020B0609020204030204" pitchFamily="49" charset="0"/>
+                <a:cs typeface="Consolas" panose="020B0609020204030204" pitchFamily="49" charset="0"/>
+              </a:rPr>
+              <a:t>pyplot</a:t>
+            </a:r>
+            <a:r>
+              <a:rPr lang="en-US" dirty="0">
+                <a:solidFill>
+                  <a:schemeClr val="tx1"/>
+                </a:solidFill>
+                <a:latin typeface="Consolas" panose="020B0609020204030204" pitchFamily="49" charset="0"/>
+                <a:cs typeface="Consolas" panose="020B0609020204030204" pitchFamily="49" charset="0"/>
+              </a:rPr>
+              <a:t> </a:t>
+            </a:r>
+            <a:r>
+              <a:rPr lang="en-US" b="1" dirty="0">
+                <a:solidFill>
+                  <a:srgbClr val="008000"/>
+                </a:solidFill>
+                <a:latin typeface="Consolas" panose="020B0609020204030204" pitchFamily="49" charset="0"/>
+                <a:cs typeface="Consolas" panose="020B0609020204030204" pitchFamily="49" charset="0"/>
+              </a:rPr>
+              <a:t>as</a:t>
+            </a:r>
+            <a:r>
+              <a:rPr lang="en-US" dirty="0">
+                <a:solidFill>
+                  <a:schemeClr val="tx1"/>
+                </a:solidFill>
+                <a:latin typeface="Consolas" panose="020B0609020204030204" pitchFamily="49" charset="0"/>
+                <a:cs typeface="Consolas" panose="020B0609020204030204" pitchFamily="49" charset="0"/>
+              </a:rPr>
+              <a:t> </a:t>
+            </a:r>
+            <a:r>
+              <a:rPr lang="en-US" dirty="0" err="1">
+                <a:solidFill>
+                  <a:schemeClr val="tx1"/>
+                </a:solidFill>
+                <a:latin typeface="Consolas" panose="020B0609020204030204" pitchFamily="49" charset="0"/>
+                <a:cs typeface="Consolas" panose="020B0609020204030204" pitchFamily="49" charset="0"/>
+              </a:rPr>
+              <a:t>plt</a:t>
+            </a:r>
+            <a:endParaRPr lang="en-US" dirty="0">
+              <a:solidFill>
+                <a:schemeClr val="tx1"/>
+              </a:solidFill>
+              <a:latin typeface="Consolas" panose="020B0609020204030204" pitchFamily="49" charset="0"/>
+              <a:cs typeface="Consolas" panose="020B0609020204030204" pitchFamily="49" charset="0"/>
+            </a:endParaRPr>
+          </a:p>
+          <a:p>
+            <a:endParaRPr lang="en-US" dirty="0">
+              <a:solidFill>
+                <a:schemeClr val="tx1"/>
+              </a:solidFill>
+              <a:latin typeface="Consolas" panose="020B0609020204030204" pitchFamily="49" charset="0"/>
+              <a:cs typeface="Consolas" panose="020B0609020204030204" pitchFamily="49" charset="0"/>
+            </a:endParaRPr>
+          </a:p>
+        </p:txBody>
+      </p:sp>
+      <p:sp>
+        <p:nvSpPr>
+          <p:cNvPr id="7" name="Title 1">
+            <a:extLst>
+              <a:ext uri="{FF2B5EF4-FFF2-40B4-BE49-F238E27FC236}">
+                <a16:creationId xmlns:a16="http://schemas.microsoft.com/office/drawing/2014/main" id="{CC5C1143-5D05-5642-A251-37ED78C3EBED}"/>
+              </a:ext>
+            </a:extLst>
+          </p:cNvPr>
+          <p:cNvSpPr txBox="1">
+            <a:spLocks/>
+          </p:cNvSpPr>
+          <p:nvPr/>
+        </p:nvSpPr>
+        <p:spPr bwMode="auto">
+          <a:xfrm>
+            <a:off x="1259632" y="980083"/>
+            <a:ext cx="7427912" cy="720725"/>
+          </a:xfrm>
+          <a:prstGeom prst="rect">
+            <a:avLst/>
+          </a:prstGeom>
+          <a:noFill/>
+          <a:ln>
+            <a:noFill/>
+          </a:ln>
+          <a:extLst>
+            <a:ext uri="{909E8E84-426E-40dd-AFC4-6F175D3DCCD1}">
+              <a14:hiddenFill xmlns="" xmlns:a14="http://schemas.microsoft.com/office/drawing/2010/main">
+                <a:solidFill>
+                  <a:srgbClr val="FFFFFF"/>
+                </a:solidFill>
+              </a14:hiddenFill>
+            </a:ext>
+            <a:ext uri="{91240B29-F687-4f45-9708-019B960494DF}">
+              <a14:hiddenLine xmlns="" xmlns:a14="http://schemas.microsoft.com/office/drawing/2010/main" w="9525">
+                <a:solidFill>
+                  <a:srgbClr val="000000"/>
+                </a:solidFill>
+                <a:miter lim="800000"/>
+                <a:headEnd/>
+                <a:tailEnd/>
+              </a14:hiddenLine>
+            </a:ext>
+            <a:ext uri="{FAA26D3D-D897-4be2-8F04-BA451C77F1D7}">
+              <ma14:placeholderFlag xmlns="" xmlns:ma14="http://schemas.microsoft.com/office/mac/drawingml/2011/main" val="1"/>
+            </a:ext>
+          </a:extLst>
+        </p:spPr>
+        <p:txBody>
+          <a:bodyPr vert="horz" wrap="square" lIns="91440" tIns="45720" rIns="91440" bIns="45720" numCol="1" anchor="ctr" anchorCtr="0" compatLnSpc="1">
+            <a:prstTxWarp prst="textNoShape">
+              <a:avLst/>
+            </a:prstTxWarp>
+          </a:bodyPr>
+          <a:lstStyle>
+            <a:lvl1pPr algn="l" rtl="0" eaLnBrk="0" fontAlgn="base" hangingPunct="0">
+              <a:spcBef>
+                <a:spcPct val="0"/>
+              </a:spcBef>
+              <a:spcAft>
+                <a:spcPct val="0"/>
+              </a:spcAft>
+              <a:defRPr sz="4000" kern="1200">
+                <a:solidFill>
+                  <a:schemeClr val="tx1"/>
+                </a:solidFill>
+                <a:latin typeface="+mj-lt"/>
+                <a:ea typeface="+mj-ea"/>
+                <a:cs typeface="+mj-cs"/>
+              </a:defRPr>
+            </a:lvl1pPr>
+            <a:lvl2pPr algn="l" rtl="0" eaLnBrk="0" fontAlgn="base" hangingPunct="0">
+              <a:spcBef>
+                <a:spcPct val="0"/>
+              </a:spcBef>
+              <a:spcAft>
+                <a:spcPct val="0"/>
+              </a:spcAft>
+              <a:defRPr sz="4000">
+                <a:solidFill>
+                  <a:schemeClr val="tx1"/>
+                </a:solidFill>
+                <a:latin typeface="Calibri" pitchFamily="34" charset="0"/>
+              </a:defRPr>
+            </a:lvl2pPr>
+            <a:lvl3pPr algn="l" rtl="0" eaLnBrk="0" fontAlgn="base" hangingPunct="0">
+              <a:spcBef>
+                <a:spcPct val="0"/>
+              </a:spcBef>
+              <a:spcAft>
+                <a:spcPct val="0"/>
+              </a:spcAft>
+              <a:defRPr sz="4000">
+                <a:solidFill>
+                  <a:schemeClr val="tx1"/>
+                </a:solidFill>
+                <a:latin typeface="Calibri" pitchFamily="34" charset="0"/>
+              </a:defRPr>
+            </a:lvl3pPr>
+            <a:lvl4pPr algn="l" rtl="0" eaLnBrk="0" fontAlgn="base" hangingPunct="0">
+              <a:spcBef>
+                <a:spcPct val="0"/>
+              </a:spcBef>
+              <a:spcAft>
+                <a:spcPct val="0"/>
+              </a:spcAft>
+              <a:defRPr sz="4000">
+                <a:solidFill>
+                  <a:schemeClr val="tx1"/>
+                </a:solidFill>
+                <a:latin typeface="Calibri" pitchFamily="34" charset="0"/>
+              </a:defRPr>
+            </a:lvl4pPr>
+            <a:lvl5pPr algn="l" rtl="0" eaLnBrk="0" fontAlgn="base" hangingPunct="0">
+              <a:spcBef>
+                <a:spcPct val="0"/>
+              </a:spcBef>
+              <a:spcAft>
+                <a:spcPct val="0"/>
+              </a:spcAft>
+              <a:defRPr sz="4000">
+                <a:solidFill>
+                  <a:schemeClr val="tx1"/>
+                </a:solidFill>
+                <a:latin typeface="Calibri" pitchFamily="34" charset="0"/>
+              </a:defRPr>
+            </a:lvl5pPr>
+            <a:lvl6pPr marL="457200" algn="l" rtl="0" fontAlgn="base">
+              <a:spcBef>
+                <a:spcPct val="0"/>
+              </a:spcBef>
+              <a:spcAft>
+                <a:spcPct val="0"/>
+              </a:spcAft>
+              <a:defRPr sz="4000">
+                <a:solidFill>
+                  <a:schemeClr val="tx1"/>
+                </a:solidFill>
+                <a:latin typeface="Calibri" pitchFamily="34" charset="0"/>
+              </a:defRPr>
+            </a:lvl6pPr>
+            <a:lvl7pPr marL="914400" algn="l" rtl="0" fontAlgn="base">
+              <a:spcBef>
+                <a:spcPct val="0"/>
+              </a:spcBef>
+              <a:spcAft>
+                <a:spcPct val="0"/>
+              </a:spcAft>
+              <a:defRPr sz="4000">
+                <a:solidFill>
+                  <a:schemeClr val="tx1"/>
+                </a:solidFill>
+                <a:latin typeface="Calibri" pitchFamily="34" charset="0"/>
+              </a:defRPr>
+            </a:lvl7pPr>
+            <a:lvl8pPr marL="1371600" algn="l" rtl="0" fontAlgn="base">
+              <a:spcBef>
+                <a:spcPct val="0"/>
+              </a:spcBef>
+              <a:spcAft>
+                <a:spcPct val="0"/>
+              </a:spcAft>
+              <a:defRPr sz="4000">
+                <a:solidFill>
+                  <a:schemeClr val="tx1"/>
+                </a:solidFill>
+                <a:latin typeface="Calibri" pitchFamily="34" charset="0"/>
+              </a:defRPr>
+            </a:lvl8pPr>
+            <a:lvl9pPr marL="1828800" algn="l" rtl="0" fontAlgn="base">
+              <a:spcBef>
+                <a:spcPct val="0"/>
+              </a:spcBef>
+              <a:spcAft>
+                <a:spcPct val="0"/>
+              </a:spcAft>
+              <a:defRPr sz="4000">
+                <a:solidFill>
+                  <a:schemeClr val="tx1"/>
+                </a:solidFill>
+                <a:latin typeface="Calibri" pitchFamily="34" charset="0"/>
+              </a:defRPr>
+            </a:lvl9pPr>
+          </a:lstStyle>
+          <a:p>
+            <a:pPr algn="r"/>
+            <a:r>
+              <a:rPr lang="en-US" sz="2800" dirty="0"/>
+              <a:t>My First Image</a:t>
+            </a:r>
+            <a:endParaRPr lang="en-US" dirty="0"/>
+          </a:p>
+        </p:txBody>
+      </p:sp>
+    </p:spTree>
+    <p:extLst>
+      <p:ext uri="{BB962C8B-B14F-4D97-AF65-F5344CB8AC3E}">
+        <p14:creationId xmlns:p14="http://schemas.microsoft.com/office/powerpoint/2010/main" val="1745157274"/>
+      </p:ext>
+    </p:extLst>
+  </p:cSld>
+  <p:clrMapOvr>
+    <a:masterClrMapping/>
+  </p:clrMapOvr>
+  <p:transition>
+    <p:fade/>
+  </p:transition>
+</p:sld>
+</file>
+
+<file path=ppt/slides/slide9.xml><?xml version="1.0" encoding="utf-8"?>
+<p:sld xmlns:a="http://schemas.openxmlformats.org/drawingml/2006/main" xmlns:r="http://schemas.openxmlformats.org/officeDocument/2006/relationships" xmlns:p="http://schemas.openxmlformats.org/presentationml/2006/main">
+  <p:cSld>
+    <p:spTree>
+      <p:nvGrpSpPr>
+        <p:cNvPr id="1" name=""/>
+        <p:cNvGrpSpPr/>
+        <p:nvPr/>
+      </p:nvGrpSpPr>
+      <p:grpSpPr>
+        <a:xfrm>
+          <a:off x="0" y="0"/>
+          <a:ext cx="0" cy="0"/>
+          <a:chOff x="0" y="0"/>
+          <a:chExt cx="0" cy="0"/>
+        </a:xfrm>
+      </p:grpSpPr>
+      <p:sp>
+        <p:nvSpPr>
+          <p:cNvPr id="2" name="Title 1">
+            <a:extLst>
+              <a:ext uri="{FF2B5EF4-FFF2-40B4-BE49-F238E27FC236}">
+                <a16:creationId xmlns:a16="http://schemas.microsoft.com/office/drawing/2014/main" id="{D4180CC7-F508-0A4D-8D9D-2D6DFDA3B63A}"/>
+              </a:ext>
+            </a:extLst>
+          </p:cNvPr>
+          <p:cNvSpPr>
+            <a:spLocks noGrp="1"/>
+          </p:cNvSpPr>
+          <p:nvPr>
+            <p:ph type="title"/>
+          </p:nvPr>
+        </p:nvSpPr>
+        <p:spPr/>
+        <p:txBody>
+          <a:bodyPr/>
+          <a:lstStyle/>
+          <a:p>
+            <a:r>
+              <a:rPr lang="en-US" dirty="0" err="1"/>
+              <a:t>MatPlotLib</a:t>
+            </a:r>
+            <a:r>
+              <a:rPr lang="en-US" dirty="0"/>
+              <a:t> – Image Display</a:t>
+            </a:r>
+          </a:p>
+        </p:txBody>
+      </p:sp>
+      <p:sp>
+        <p:nvSpPr>
+          <p:cNvPr id="3" name="Date Placeholder 2">
+            <a:extLst>
+              <a:ext uri="{FF2B5EF4-FFF2-40B4-BE49-F238E27FC236}">
+                <a16:creationId xmlns:a16="http://schemas.microsoft.com/office/drawing/2014/main" id="{10454C37-139D-8240-B8B7-26A6CB951D0E}"/>
+              </a:ext>
+            </a:extLst>
+          </p:cNvPr>
+          <p:cNvSpPr>
+            <a:spLocks noGrp="1"/>
+          </p:cNvSpPr>
+          <p:nvPr>
+            <p:ph type="dt" sz="half" idx="10"/>
+          </p:nvPr>
+        </p:nvSpPr>
+        <p:spPr/>
+        <p:txBody>
+          <a:bodyPr/>
+          <a:lstStyle/>
+          <a:p>
+            <a:pPr>
+              <a:defRPr/>
+            </a:pPr>
+            <a:r>
+              <a:rPr lang="en-US"/>
+              <a:t>14/05/2019</a:t>
+            </a:r>
+            <a:endParaRPr lang="pt-BR" dirty="0"/>
+          </a:p>
+        </p:txBody>
+      </p:sp>
+      <p:sp>
+        <p:nvSpPr>
+          <p:cNvPr id="4" name="Footer Placeholder 3">
+            <a:extLst>
+              <a:ext uri="{FF2B5EF4-FFF2-40B4-BE49-F238E27FC236}">
+                <a16:creationId xmlns:a16="http://schemas.microsoft.com/office/drawing/2014/main" id="{26C6C84A-22EA-DE47-A964-D10874AF7DD3}"/>
+              </a:ext>
+            </a:extLst>
+          </p:cNvPr>
+          <p:cNvSpPr>
+            <a:spLocks noGrp="1"/>
+          </p:cNvSpPr>
+          <p:nvPr>
+            <p:ph type="ftr" sz="quarter" idx="11"/>
+          </p:nvPr>
+        </p:nvSpPr>
+        <p:spPr/>
+        <p:txBody>
+          <a:bodyPr/>
+          <a:lstStyle/>
+          <a:p>
+            <a:pPr>
+              <a:defRPr/>
+            </a:pPr>
+            <a:r>
+              <a:rPr lang="pt-BR"/>
+              <a:t>PTS2019 - Data Analysis and Visualization I</a:t>
+            </a:r>
+            <a:endParaRPr lang="pt-BR" dirty="0"/>
+          </a:p>
+        </p:txBody>
+      </p:sp>
+      <p:sp>
+        <p:nvSpPr>
+          <p:cNvPr id="5" name="Slide Number Placeholder 4">
+            <a:extLst>
+              <a:ext uri="{FF2B5EF4-FFF2-40B4-BE49-F238E27FC236}">
+                <a16:creationId xmlns:a16="http://schemas.microsoft.com/office/drawing/2014/main" id="{2C56F56B-8B69-DD46-AEC3-B7B6415298C2}"/>
+              </a:ext>
+            </a:extLst>
+          </p:cNvPr>
+          <p:cNvSpPr>
+            <a:spLocks noGrp="1"/>
+          </p:cNvSpPr>
+          <p:nvPr>
+            <p:ph type="sldNum" sz="quarter" idx="12"/>
+          </p:nvPr>
+        </p:nvSpPr>
+        <p:spPr/>
+        <p:txBody>
+          <a:bodyPr/>
+          <a:lstStyle/>
+          <a:p>
+            <a:fld id="{0ACDAA0B-38DC-8943-9C5D-D77398DF067C}" type="slidenum">
+              <a:rPr lang="pt-BR" altLang="x-none" smtClean="0"/>
+              <a:pPr/>
+              <a:t>9</a:t>
+            </a:fld>
+            <a:endParaRPr lang="pt-BR" altLang="x-none" dirty="0"/>
+          </a:p>
+        </p:txBody>
+      </p:sp>
+      <p:sp>
+        <p:nvSpPr>
+          <p:cNvPr id="6" name="Rectangle 5">
+            <a:extLst>
+              <a:ext uri="{FF2B5EF4-FFF2-40B4-BE49-F238E27FC236}">
+                <a16:creationId xmlns:a16="http://schemas.microsoft.com/office/drawing/2014/main" id="{240E4E75-DADF-744F-BE99-57971CFED0D6}"/>
+              </a:ext>
+            </a:extLst>
+          </p:cNvPr>
+          <p:cNvSpPr/>
+          <p:nvPr/>
+        </p:nvSpPr>
+        <p:spPr>
+          <a:xfrm>
+            <a:off x="251520" y="1484784"/>
+            <a:ext cx="5544616" cy="2664296"/>
+          </a:xfrm>
+          <a:prstGeom prst="rect">
+            <a:avLst/>
+          </a:prstGeom>
+          <a:solidFill>
+            <a:schemeClr val="bg1">
+              <a:lumMod val="95000"/>
+            </a:schemeClr>
+          </a:solidFill>
+          <a:ln w="12700">
+            <a:solidFill>
+              <a:schemeClr val="bg1">
+                <a:lumMod val="75000"/>
+              </a:schemeClr>
+            </a:solidFill>
+          </a:ln>
+        </p:spPr>
+        <p:style>
+          <a:lnRef idx="2">
+            <a:schemeClr val="accent1">
+              <a:shade val="50000"/>
+            </a:schemeClr>
+          </a:lnRef>
+          <a:fillRef idx="1">
+            <a:schemeClr val="accent1"/>
+          </a:fillRef>
+          <a:effectRef idx="0">
+            <a:schemeClr val="accent1"/>
+          </a:effectRef>
+          <a:fontRef idx="minor">
+            <a:schemeClr val="lt1"/>
+          </a:fontRef>
+        </p:style>
+        <p:txBody>
+          <a:bodyPr tIns="72000" bIns="72000" rtlCol="0" anchor="t">
+            <a:noAutofit/>
+          </a:bodyPr>
+          <a:lstStyle/>
+          <a:p>
+            <a:r>
+              <a:rPr lang="en-US" b="1" dirty="0">
+                <a:solidFill>
+                  <a:srgbClr val="008000"/>
+                </a:solidFill>
+                <a:latin typeface="Consolas" panose="020B0609020204030204" pitchFamily="49" charset="0"/>
+                <a:cs typeface="Consolas" panose="020B0609020204030204" pitchFamily="49" charset="0"/>
+              </a:rPr>
+              <a:t>import</a:t>
+            </a:r>
+            <a:r>
+              <a:rPr lang="en-US" dirty="0">
+                <a:solidFill>
+                  <a:schemeClr val="tx1"/>
+                </a:solidFill>
+                <a:latin typeface="Consolas" panose="020B0609020204030204" pitchFamily="49" charset="0"/>
+                <a:cs typeface="Consolas" panose="020B0609020204030204" pitchFamily="49" charset="0"/>
+              </a:rPr>
+              <a:t> </a:t>
+            </a:r>
+            <a:r>
+              <a:rPr lang="en-US" dirty="0" err="1">
+                <a:solidFill>
+                  <a:schemeClr val="tx1"/>
+                </a:solidFill>
+                <a:latin typeface="Consolas" panose="020B0609020204030204" pitchFamily="49" charset="0"/>
+                <a:cs typeface="Consolas" panose="020B0609020204030204" pitchFamily="49" charset="0"/>
+              </a:rPr>
+              <a:t>numpy</a:t>
+            </a:r>
+            <a:r>
+              <a:rPr lang="en-US" dirty="0">
+                <a:solidFill>
+                  <a:schemeClr val="tx1"/>
+                </a:solidFill>
+                <a:latin typeface="Consolas" panose="020B0609020204030204" pitchFamily="49" charset="0"/>
+                <a:cs typeface="Consolas" panose="020B0609020204030204" pitchFamily="49" charset="0"/>
+              </a:rPr>
+              <a:t> </a:t>
+            </a:r>
+            <a:r>
+              <a:rPr lang="en-US" b="1" dirty="0">
+                <a:solidFill>
+                  <a:srgbClr val="008000"/>
+                </a:solidFill>
+                <a:latin typeface="Consolas" panose="020B0609020204030204" pitchFamily="49" charset="0"/>
+                <a:cs typeface="Consolas" panose="020B0609020204030204" pitchFamily="49" charset="0"/>
+              </a:rPr>
+              <a:t>as</a:t>
+            </a:r>
+            <a:r>
+              <a:rPr lang="en-US" dirty="0">
+                <a:solidFill>
+                  <a:schemeClr val="tx1"/>
+                </a:solidFill>
+                <a:latin typeface="Consolas" panose="020B0609020204030204" pitchFamily="49" charset="0"/>
+                <a:cs typeface="Consolas" panose="020B0609020204030204" pitchFamily="49" charset="0"/>
+              </a:rPr>
+              <a:t> np</a:t>
+            </a:r>
+          </a:p>
+          <a:p>
+            <a:r>
+              <a:rPr lang="en-US" b="1" dirty="0">
+                <a:solidFill>
+                  <a:srgbClr val="008000"/>
+                </a:solidFill>
+                <a:latin typeface="Consolas" panose="020B0609020204030204" pitchFamily="49" charset="0"/>
+                <a:cs typeface="Consolas" panose="020B0609020204030204" pitchFamily="49" charset="0"/>
+              </a:rPr>
+              <a:t>from</a:t>
+            </a:r>
+            <a:r>
+              <a:rPr lang="en-US" dirty="0">
+                <a:solidFill>
+                  <a:schemeClr val="tx1"/>
+                </a:solidFill>
+                <a:latin typeface="Consolas" panose="020B0609020204030204" pitchFamily="49" charset="0"/>
+                <a:cs typeface="Consolas" panose="020B0609020204030204" pitchFamily="49" charset="0"/>
+              </a:rPr>
+              <a:t> matplotlib </a:t>
+            </a:r>
+            <a:r>
+              <a:rPr lang="en-US" b="1" dirty="0">
+                <a:solidFill>
+                  <a:srgbClr val="008000"/>
+                </a:solidFill>
+                <a:latin typeface="Consolas" panose="020B0609020204030204" pitchFamily="49" charset="0"/>
+                <a:cs typeface="Consolas" panose="020B0609020204030204" pitchFamily="49" charset="0"/>
+              </a:rPr>
+              <a:t>import</a:t>
+            </a:r>
+            <a:r>
+              <a:rPr lang="en-US" dirty="0">
+                <a:solidFill>
+                  <a:schemeClr val="tx1"/>
+                </a:solidFill>
+                <a:latin typeface="Consolas" panose="020B0609020204030204" pitchFamily="49" charset="0"/>
+                <a:cs typeface="Consolas" panose="020B0609020204030204" pitchFamily="49" charset="0"/>
+              </a:rPr>
+              <a:t> </a:t>
+            </a:r>
+            <a:r>
+              <a:rPr lang="en-US" dirty="0" err="1">
+                <a:solidFill>
+                  <a:schemeClr val="tx1"/>
+                </a:solidFill>
+                <a:latin typeface="Consolas" panose="020B0609020204030204" pitchFamily="49" charset="0"/>
+                <a:cs typeface="Consolas" panose="020B0609020204030204" pitchFamily="49" charset="0"/>
+              </a:rPr>
+              <a:t>pyplot</a:t>
+            </a:r>
+            <a:r>
+              <a:rPr lang="en-US" dirty="0">
+                <a:solidFill>
+                  <a:schemeClr val="tx1"/>
+                </a:solidFill>
+                <a:latin typeface="Consolas" panose="020B0609020204030204" pitchFamily="49" charset="0"/>
+                <a:cs typeface="Consolas" panose="020B0609020204030204" pitchFamily="49" charset="0"/>
+              </a:rPr>
+              <a:t> </a:t>
+            </a:r>
+            <a:r>
+              <a:rPr lang="en-US" b="1" dirty="0">
+                <a:solidFill>
+                  <a:srgbClr val="008000"/>
+                </a:solidFill>
+                <a:latin typeface="Consolas" panose="020B0609020204030204" pitchFamily="49" charset="0"/>
+                <a:cs typeface="Consolas" panose="020B0609020204030204" pitchFamily="49" charset="0"/>
+              </a:rPr>
+              <a:t>as</a:t>
+            </a:r>
+            <a:r>
+              <a:rPr lang="en-US" dirty="0">
+                <a:solidFill>
+                  <a:schemeClr val="tx1"/>
+                </a:solidFill>
+                <a:latin typeface="Consolas" panose="020B0609020204030204" pitchFamily="49" charset="0"/>
+                <a:cs typeface="Consolas" panose="020B0609020204030204" pitchFamily="49" charset="0"/>
+              </a:rPr>
+              <a:t> </a:t>
+            </a:r>
+            <a:r>
+              <a:rPr lang="en-US" dirty="0" err="1">
+                <a:solidFill>
+                  <a:schemeClr val="tx1"/>
+                </a:solidFill>
+                <a:latin typeface="Consolas" panose="020B0609020204030204" pitchFamily="49" charset="0"/>
+                <a:cs typeface="Consolas" panose="020B0609020204030204" pitchFamily="49" charset="0"/>
+              </a:rPr>
+              <a:t>plt</a:t>
+            </a:r>
+            <a:endParaRPr lang="en-US" dirty="0">
+              <a:solidFill>
+                <a:schemeClr val="tx1"/>
+              </a:solidFill>
+              <a:latin typeface="Consolas" panose="020B0609020204030204" pitchFamily="49" charset="0"/>
+              <a:cs typeface="Consolas" panose="020B0609020204030204" pitchFamily="49" charset="0"/>
+            </a:endParaRPr>
+          </a:p>
+          <a:p>
+            <a:endParaRPr lang="en-US" dirty="0">
+              <a:solidFill>
+                <a:schemeClr val="tx1"/>
+              </a:solidFill>
+              <a:latin typeface="Consolas" panose="020B0609020204030204" pitchFamily="49" charset="0"/>
+              <a:cs typeface="Consolas" panose="020B0609020204030204" pitchFamily="49" charset="0"/>
+            </a:endParaRPr>
+          </a:p>
+          <a:p>
+            <a:r>
+              <a:rPr lang="en-US" dirty="0" err="1">
+                <a:solidFill>
+                  <a:schemeClr val="tx1"/>
+                </a:solidFill>
+                <a:latin typeface="Consolas" panose="020B0609020204030204" pitchFamily="49" charset="0"/>
+                <a:cs typeface="Consolas" panose="020B0609020204030204" pitchFamily="49" charset="0"/>
+              </a:rPr>
+              <a:t>np.random.seed</a:t>
+            </a:r>
+            <a:r>
+              <a:rPr lang="en-US" dirty="0">
+                <a:solidFill>
+                  <a:schemeClr val="tx1"/>
+                </a:solidFill>
+                <a:latin typeface="Consolas" panose="020B0609020204030204" pitchFamily="49" charset="0"/>
+                <a:cs typeface="Consolas" panose="020B0609020204030204" pitchFamily="49" charset="0"/>
+              </a:rPr>
+              <a:t>(</a:t>
+            </a:r>
+            <a:r>
+              <a:rPr lang="en-US" dirty="0">
+                <a:solidFill>
+                  <a:srgbClr val="088000"/>
+                </a:solidFill>
+                <a:latin typeface="Consolas" panose="020B0609020204030204" pitchFamily="49" charset="0"/>
+                <a:cs typeface="Consolas" panose="020B0609020204030204" pitchFamily="49" charset="0"/>
+              </a:rPr>
+              <a:t>0</a:t>
+            </a:r>
+            <a:r>
+              <a:rPr lang="en-US" dirty="0">
+                <a:solidFill>
+                  <a:schemeClr val="tx1"/>
+                </a:solidFill>
+                <a:latin typeface="Consolas" panose="020B0609020204030204" pitchFamily="49" charset="0"/>
+                <a:cs typeface="Consolas" panose="020B0609020204030204" pitchFamily="49" charset="0"/>
+              </a:rPr>
+              <a:t>) </a:t>
+            </a:r>
+          </a:p>
+          <a:p>
+            <a:r>
+              <a:rPr lang="en-US" dirty="0">
+                <a:solidFill>
+                  <a:schemeClr val="tx1"/>
+                </a:solidFill>
+                <a:latin typeface="Consolas" panose="020B0609020204030204" pitchFamily="49" charset="0"/>
+                <a:cs typeface="Consolas" panose="020B0609020204030204" pitchFamily="49" charset="0"/>
+              </a:rPr>
+              <a:t>data </a:t>
+            </a:r>
+            <a:r>
+              <a:rPr lang="en-US" b="1" dirty="0">
+                <a:solidFill>
+                  <a:srgbClr val="AA22FF"/>
+                </a:solidFill>
+                <a:latin typeface="Consolas" panose="020B0609020204030204" pitchFamily="49" charset="0"/>
+                <a:cs typeface="Consolas" panose="020B0609020204030204" pitchFamily="49" charset="0"/>
+              </a:rPr>
+              <a:t>=</a:t>
+            </a:r>
+            <a:r>
+              <a:rPr lang="en-US" dirty="0">
+                <a:solidFill>
+                  <a:schemeClr val="tx1"/>
+                </a:solidFill>
+                <a:latin typeface="Consolas" panose="020B0609020204030204" pitchFamily="49" charset="0"/>
+                <a:cs typeface="Consolas" panose="020B0609020204030204" pitchFamily="49" charset="0"/>
+              </a:rPr>
+              <a:t> </a:t>
+            </a:r>
+            <a:r>
+              <a:rPr lang="en-US" dirty="0" err="1">
+                <a:solidFill>
+                  <a:schemeClr val="tx1"/>
+                </a:solidFill>
+                <a:latin typeface="Consolas" panose="020B0609020204030204" pitchFamily="49" charset="0"/>
+                <a:cs typeface="Consolas" panose="020B0609020204030204" pitchFamily="49" charset="0"/>
+              </a:rPr>
+              <a:t>np.random.uniform</a:t>
+            </a:r>
+            <a:r>
+              <a:rPr lang="en-US" dirty="0">
+                <a:solidFill>
+                  <a:schemeClr val="tx1"/>
+                </a:solidFill>
+                <a:latin typeface="Consolas" panose="020B0609020204030204" pitchFamily="49" charset="0"/>
+                <a:cs typeface="Consolas" panose="020B0609020204030204" pitchFamily="49" charset="0"/>
+              </a:rPr>
+              <a:t>(size</a:t>
+            </a:r>
+            <a:r>
+              <a:rPr lang="en-US" b="1" dirty="0">
+                <a:solidFill>
+                  <a:srgbClr val="AA22FF"/>
+                </a:solidFill>
+                <a:latin typeface="Consolas" panose="020B0609020204030204" pitchFamily="49" charset="0"/>
+                <a:cs typeface="Consolas" panose="020B0609020204030204" pitchFamily="49" charset="0"/>
+              </a:rPr>
+              <a:t>=</a:t>
+            </a:r>
+            <a:r>
+              <a:rPr lang="en-US" dirty="0">
+                <a:solidFill>
+                  <a:schemeClr val="tx1"/>
+                </a:solidFill>
+                <a:latin typeface="Consolas" panose="020B0609020204030204" pitchFamily="49" charset="0"/>
+                <a:cs typeface="Consolas" panose="020B0609020204030204" pitchFamily="49" charset="0"/>
+              </a:rPr>
+              <a:t>(5, 5))</a:t>
+            </a:r>
+          </a:p>
+          <a:p>
+            <a:endParaRPr lang="en-US" dirty="0">
+              <a:solidFill>
+                <a:schemeClr val="tx1"/>
+              </a:solidFill>
+              <a:latin typeface="Consolas" panose="020B0609020204030204" pitchFamily="49" charset="0"/>
+              <a:cs typeface="Consolas" panose="020B0609020204030204" pitchFamily="49" charset="0"/>
+            </a:endParaRPr>
+          </a:p>
+        </p:txBody>
+      </p:sp>
+      <p:sp>
+        <p:nvSpPr>
+          <p:cNvPr id="7" name="Title 1">
+            <a:extLst>
+              <a:ext uri="{FF2B5EF4-FFF2-40B4-BE49-F238E27FC236}">
+                <a16:creationId xmlns:a16="http://schemas.microsoft.com/office/drawing/2014/main" id="{CC5C1143-5D05-5642-A251-37ED78C3EBED}"/>
+              </a:ext>
+            </a:extLst>
+          </p:cNvPr>
+          <p:cNvSpPr txBox="1">
+            <a:spLocks/>
+          </p:cNvSpPr>
+          <p:nvPr/>
+        </p:nvSpPr>
+        <p:spPr bwMode="auto">
+          <a:xfrm>
+            <a:off x="1259632" y="980083"/>
+            <a:ext cx="7427912" cy="720725"/>
+          </a:xfrm>
+          <a:prstGeom prst="rect">
+            <a:avLst/>
+          </a:prstGeom>
+          <a:noFill/>
+          <a:ln>
+            <a:noFill/>
+          </a:ln>
+          <a:extLst>
+            <a:ext uri="{909E8E84-426E-40dd-AFC4-6F175D3DCCD1}">
+              <a14:hiddenFill xmlns="" xmlns:a14="http://schemas.microsoft.com/office/drawing/2010/main">
+                <a:solidFill>
+                  <a:srgbClr val="FFFFFF"/>
+                </a:solidFill>
+              </a14:hiddenFill>
+            </a:ext>
+            <a:ext uri="{91240B29-F687-4f45-9708-019B960494DF}">
+              <a14:hiddenLine xmlns="" xmlns:a14="http://schemas.microsoft.com/office/drawing/2010/main" w="9525">
+                <a:solidFill>
+                  <a:srgbClr val="000000"/>
+                </a:solidFill>
+                <a:miter lim="800000"/>
+                <a:headEnd/>
+                <a:tailEnd/>
+              </a14:hiddenLine>
+            </a:ext>
+            <a:ext uri="{FAA26D3D-D897-4be2-8F04-BA451C77F1D7}">
+              <ma14:placeholderFlag xmlns="" xmlns:ma14="http://schemas.microsoft.com/office/mac/drawingml/2011/main" val="1"/>
+            </a:ext>
+          </a:extLst>
+        </p:spPr>
+        <p:txBody>
+          <a:bodyPr vert="horz" wrap="square" lIns="91440" tIns="45720" rIns="91440" bIns="45720" numCol="1" anchor="ctr" anchorCtr="0" compatLnSpc="1">
+            <a:prstTxWarp prst="textNoShape">
+              <a:avLst/>
+            </a:prstTxWarp>
+          </a:bodyPr>
+          <a:lstStyle>
+            <a:lvl1pPr algn="l" rtl="0" eaLnBrk="0" fontAlgn="base" hangingPunct="0">
+              <a:spcBef>
+                <a:spcPct val="0"/>
+              </a:spcBef>
+              <a:spcAft>
+                <a:spcPct val="0"/>
+              </a:spcAft>
+              <a:defRPr sz="4000" kern="1200">
+                <a:solidFill>
+                  <a:schemeClr val="tx1"/>
+                </a:solidFill>
+                <a:latin typeface="+mj-lt"/>
+                <a:ea typeface="+mj-ea"/>
+                <a:cs typeface="+mj-cs"/>
+              </a:defRPr>
+            </a:lvl1pPr>
+            <a:lvl2pPr algn="l" rtl="0" eaLnBrk="0" fontAlgn="base" hangingPunct="0">
+              <a:spcBef>
+                <a:spcPct val="0"/>
+              </a:spcBef>
+              <a:spcAft>
+                <a:spcPct val="0"/>
+              </a:spcAft>
+              <a:defRPr sz="4000">
+                <a:solidFill>
+                  <a:schemeClr val="tx1"/>
+                </a:solidFill>
+                <a:latin typeface="Calibri" pitchFamily="34" charset="0"/>
+              </a:defRPr>
+            </a:lvl2pPr>
+            <a:lvl3pPr algn="l" rtl="0" eaLnBrk="0" fontAlgn="base" hangingPunct="0">
+              <a:spcBef>
+                <a:spcPct val="0"/>
+              </a:spcBef>
+              <a:spcAft>
+                <a:spcPct val="0"/>
+              </a:spcAft>
+              <a:defRPr sz="4000">
+                <a:solidFill>
+                  <a:schemeClr val="tx1"/>
+                </a:solidFill>
+                <a:latin typeface="Calibri" pitchFamily="34" charset="0"/>
+              </a:defRPr>
+            </a:lvl3pPr>
+            <a:lvl4pPr algn="l" rtl="0" eaLnBrk="0" fontAlgn="base" hangingPunct="0">
+              <a:spcBef>
+                <a:spcPct val="0"/>
+              </a:spcBef>
+              <a:spcAft>
+                <a:spcPct val="0"/>
+              </a:spcAft>
+              <a:defRPr sz="4000">
+                <a:solidFill>
+                  <a:schemeClr val="tx1"/>
+                </a:solidFill>
+                <a:latin typeface="Calibri" pitchFamily="34" charset="0"/>
+              </a:defRPr>
+            </a:lvl4pPr>
+            <a:lvl5pPr algn="l" rtl="0" eaLnBrk="0" fontAlgn="base" hangingPunct="0">
+              <a:spcBef>
+                <a:spcPct val="0"/>
+              </a:spcBef>
+              <a:spcAft>
+                <a:spcPct val="0"/>
+              </a:spcAft>
+              <a:defRPr sz="4000">
+                <a:solidFill>
+                  <a:schemeClr val="tx1"/>
+                </a:solidFill>
+                <a:latin typeface="Calibri" pitchFamily="34" charset="0"/>
+              </a:defRPr>
+            </a:lvl5pPr>
+            <a:lvl6pPr marL="457200" algn="l" rtl="0" fontAlgn="base">
+              <a:spcBef>
+                <a:spcPct val="0"/>
+              </a:spcBef>
+              <a:spcAft>
+                <a:spcPct val="0"/>
+              </a:spcAft>
+              <a:defRPr sz="4000">
+                <a:solidFill>
+                  <a:schemeClr val="tx1"/>
+                </a:solidFill>
+                <a:latin typeface="Calibri" pitchFamily="34" charset="0"/>
+              </a:defRPr>
+            </a:lvl6pPr>
+            <a:lvl7pPr marL="914400" algn="l" rtl="0" fontAlgn="base">
+              <a:spcBef>
+                <a:spcPct val="0"/>
+              </a:spcBef>
+              <a:spcAft>
+                <a:spcPct val="0"/>
+              </a:spcAft>
+              <a:defRPr sz="4000">
+                <a:solidFill>
+                  <a:schemeClr val="tx1"/>
+                </a:solidFill>
+                <a:latin typeface="Calibri" pitchFamily="34" charset="0"/>
+              </a:defRPr>
+            </a:lvl7pPr>
+            <a:lvl8pPr marL="1371600" algn="l" rtl="0" fontAlgn="base">
+              <a:spcBef>
+                <a:spcPct val="0"/>
+              </a:spcBef>
+              <a:spcAft>
+                <a:spcPct val="0"/>
+              </a:spcAft>
+              <a:defRPr sz="4000">
+                <a:solidFill>
+                  <a:schemeClr val="tx1"/>
+                </a:solidFill>
+                <a:latin typeface="Calibri" pitchFamily="34" charset="0"/>
+              </a:defRPr>
+            </a:lvl8pPr>
+            <a:lvl9pPr marL="1828800" algn="l" rtl="0" fontAlgn="base">
+              <a:spcBef>
+                <a:spcPct val="0"/>
+              </a:spcBef>
+              <a:spcAft>
+                <a:spcPct val="0"/>
+              </a:spcAft>
+              <a:defRPr sz="4000">
+                <a:solidFill>
+                  <a:schemeClr val="tx1"/>
+                </a:solidFill>
+                <a:latin typeface="Calibri" pitchFamily="34" charset="0"/>
+              </a:defRPr>
+            </a:lvl9pPr>
+          </a:lstStyle>
+          <a:p>
+            <a:pPr algn="r"/>
+            <a:r>
+              <a:rPr lang="en-US" sz="2800" dirty="0"/>
+              <a:t>My First Image</a:t>
+            </a:r>
+            <a:endParaRPr lang="en-US" dirty="0"/>
+          </a:p>
+        </p:txBody>
+      </p:sp>
+    </p:spTree>
+    <p:extLst>
+      <p:ext uri="{BB962C8B-B14F-4D97-AF65-F5344CB8AC3E}">
+        <p14:creationId xmlns:p14="http://schemas.microsoft.com/office/powerpoint/2010/main" val="1709362380"/>
       </p:ext>
     </p:extLst>
   </p:cSld>
